--- a/_book/plot/unnamed-chunk-74-1.pptx
+++ b/_book/plot/unnamed-chunk-74-1.pptx
@@ -3192,8 +3192,8 @@
           </p:nvSpPr>
           <p:spPr>
             <a:xfrm>
-              <a:off x="2023549" y="1590617"/>
-              <a:ext cx="6913543" cy="4048310"/>
+              <a:off x="2217943" y="1809173"/>
+              <a:ext cx="2193323" cy="3464924"/>
             </a:xfrm>
             <a:prstGeom prst="rect">
               <a:avLst/>
@@ -3218,28 +3218,28 @@
           </p:nvSpPr>
           <p:spPr>
             <a:xfrm>
-              <a:off x="2832764" y="1590617"/>
-              <a:ext cx="0" cy="4048310"/>
+              <a:off x="2217943" y="4553198"/>
+              <a:ext cx="2193323" cy="0"/>
             </a:xfrm>
             <a:custGeom>
               <a:avLst/>
               <a:pathLst>
-                <a:path w="0" h="4048310">
+                <a:path w="2193323" h="0">
                   <a:moveTo>
-                    <a:pt x="0" y="4048310"/>
+                    <a:pt x="0" y="0"/>
                   </a:moveTo>
                   <a:lnTo>
-                    <a:pt x="0" y="0"/>
-                  </a:lnTo>
-                  <a:lnTo>
-                    <a:pt x="0" y="0"/>
+                    <a:pt x="2193323" y="0"/>
+                  </a:lnTo>
+                  <a:lnTo>
+                    <a:pt x="2193323" y="0"/>
                   </a:lnTo>
                 </a:path>
               </a:pathLst>
             </a:custGeom>
-            <a:ln w="3387" cap="flat">
+            <a:ln w="6775" cap="flat">
               <a:solidFill>
-                <a:srgbClr val="DEDEDE">
+                <a:srgbClr val="EBEBEB">
                   <a:alpha val="100000"/>
                 </a:srgbClr>
               </a:solidFill>
@@ -3261,28 +3261,28 @@
           </p:nvSpPr>
           <p:spPr>
             <a:xfrm>
-              <a:off x="4451193" y="1590617"/>
-              <a:ext cx="0" cy="4048310"/>
+              <a:off x="2217943" y="3426393"/>
+              <a:ext cx="2193323" cy="0"/>
             </a:xfrm>
             <a:custGeom>
               <a:avLst/>
               <a:pathLst>
-                <a:path w="0" h="4048310">
+                <a:path w="2193323" h="0">
                   <a:moveTo>
-                    <a:pt x="0" y="4048310"/>
+                    <a:pt x="0" y="0"/>
                   </a:moveTo>
                   <a:lnTo>
-                    <a:pt x="0" y="0"/>
-                  </a:lnTo>
-                  <a:lnTo>
-                    <a:pt x="0" y="0"/>
+                    <a:pt x="2193323" y="0"/>
+                  </a:lnTo>
+                  <a:lnTo>
+                    <a:pt x="2193323" y="0"/>
                   </a:lnTo>
                 </a:path>
               </a:pathLst>
             </a:custGeom>
-            <a:ln w="3387" cap="flat">
+            <a:ln w="6775" cap="flat">
               <a:solidFill>
-                <a:srgbClr val="DEDEDE">
+                <a:srgbClr val="EBEBEB">
                   <a:alpha val="100000"/>
                 </a:srgbClr>
               </a:solidFill>
@@ -3304,28 +3304,28 @@
           </p:nvSpPr>
           <p:spPr>
             <a:xfrm>
-              <a:off x="6069623" y="1590617"/>
-              <a:ext cx="0" cy="4048310"/>
+              <a:off x="2217943" y="2299589"/>
+              <a:ext cx="2193323" cy="0"/>
             </a:xfrm>
             <a:custGeom>
               <a:avLst/>
               <a:pathLst>
-                <a:path w="0" h="4048310">
+                <a:path w="2193323" h="0">
                   <a:moveTo>
-                    <a:pt x="0" y="4048310"/>
+                    <a:pt x="0" y="0"/>
                   </a:moveTo>
                   <a:lnTo>
-                    <a:pt x="0" y="0"/>
-                  </a:lnTo>
-                  <a:lnTo>
-                    <a:pt x="0" y="0"/>
+                    <a:pt x="2193323" y="0"/>
+                  </a:lnTo>
+                  <a:lnTo>
+                    <a:pt x="2193323" y="0"/>
                   </a:lnTo>
                 </a:path>
               </a:pathLst>
             </a:custGeom>
-            <a:ln w="3387" cap="flat">
+            <a:ln w="6775" cap="flat">
               <a:solidFill>
-                <a:srgbClr val="DEDEDE">
+                <a:srgbClr val="EBEBEB">
                   <a:alpha val="100000"/>
                 </a:srgbClr>
               </a:solidFill>
@@ -3347,28 +3347,28 @@
           </p:nvSpPr>
           <p:spPr>
             <a:xfrm>
-              <a:off x="7688053" y="1590617"/>
-              <a:ext cx="0" cy="4048310"/>
+              <a:off x="2217943" y="5116600"/>
+              <a:ext cx="2193323" cy="0"/>
             </a:xfrm>
             <a:custGeom>
               <a:avLst/>
               <a:pathLst>
-                <a:path w="0" h="4048310">
+                <a:path w="2193323" h="0">
                   <a:moveTo>
-                    <a:pt x="0" y="4048310"/>
+                    <a:pt x="0" y="0"/>
                   </a:moveTo>
                   <a:lnTo>
-                    <a:pt x="0" y="0"/>
-                  </a:lnTo>
-                  <a:lnTo>
-                    <a:pt x="0" y="0"/>
+                    <a:pt x="2193323" y="0"/>
+                  </a:lnTo>
+                  <a:lnTo>
+                    <a:pt x="2193323" y="0"/>
                   </a:lnTo>
                 </a:path>
               </a:pathLst>
             </a:custGeom>
-            <a:ln w="3387" cap="flat">
+            <a:ln w="13550" cap="flat">
               <a:solidFill>
-                <a:srgbClr val="DEDEDE">
+                <a:srgbClr val="EBEBEB">
                   <a:alpha val="100000"/>
                 </a:srgbClr>
               </a:solidFill>
@@ -3390,28 +3390,28 @@
           </p:nvSpPr>
           <p:spPr>
             <a:xfrm>
-              <a:off x="2023549" y="5171815"/>
-              <a:ext cx="6913543" cy="0"/>
+              <a:off x="2217943" y="3989796"/>
+              <a:ext cx="2193323" cy="0"/>
             </a:xfrm>
             <a:custGeom>
               <a:avLst/>
               <a:pathLst>
-                <a:path w="6913543" h="0">
+                <a:path w="2193323" h="0">
                   <a:moveTo>
                     <a:pt x="0" y="0"/>
                   </a:moveTo>
                   <a:lnTo>
-                    <a:pt x="6913543" y="0"/>
-                  </a:lnTo>
-                  <a:lnTo>
-                    <a:pt x="6913543" y="0"/>
+                    <a:pt x="2193323" y="0"/>
+                  </a:lnTo>
+                  <a:lnTo>
+                    <a:pt x="2193323" y="0"/>
                   </a:lnTo>
                 </a:path>
               </a:pathLst>
             </a:custGeom>
-            <a:ln w="6775" cap="flat">
+            <a:ln w="13550" cap="flat">
               <a:solidFill>
-                <a:srgbClr val="DEDEDE">
+                <a:srgbClr val="EBEBEB">
                   <a:alpha val="100000"/>
                 </a:srgbClr>
               </a:solidFill>
@@ -3433,28 +3433,28 @@
           </p:nvSpPr>
           <p:spPr>
             <a:xfrm>
-              <a:off x="2023549" y="4393293"/>
-              <a:ext cx="6913543" cy="0"/>
+              <a:off x="2217943" y="2862991"/>
+              <a:ext cx="2193323" cy="0"/>
             </a:xfrm>
             <a:custGeom>
               <a:avLst/>
               <a:pathLst>
-                <a:path w="6913543" h="0">
+                <a:path w="2193323" h="0">
                   <a:moveTo>
                     <a:pt x="0" y="0"/>
                   </a:moveTo>
                   <a:lnTo>
-                    <a:pt x="6913543" y="0"/>
-                  </a:lnTo>
-                  <a:lnTo>
-                    <a:pt x="6913543" y="0"/>
+                    <a:pt x="2193323" y="0"/>
+                  </a:lnTo>
+                  <a:lnTo>
+                    <a:pt x="2193323" y="0"/>
                   </a:lnTo>
                 </a:path>
               </a:pathLst>
             </a:custGeom>
-            <a:ln w="6775" cap="flat">
+            <a:ln w="13550" cap="flat">
               <a:solidFill>
-                <a:srgbClr val="DEDEDE">
+                <a:srgbClr val="EBEBEB">
                   <a:alpha val="100000"/>
                 </a:srgbClr>
               </a:solidFill>
@@ -3476,28 +3476,28 @@
           </p:nvSpPr>
           <p:spPr>
             <a:xfrm>
-              <a:off x="2023549" y="3614772"/>
-              <a:ext cx="6913543" cy="0"/>
+              <a:off x="2531275" y="1809173"/>
+              <a:ext cx="0" cy="3464924"/>
             </a:xfrm>
             <a:custGeom>
               <a:avLst/>
               <a:pathLst>
-                <a:path w="6913543" h="0">
+                <a:path w="0" h="3464924">
                   <a:moveTo>
+                    <a:pt x="0" y="3464924"/>
+                  </a:moveTo>
+                  <a:lnTo>
                     <a:pt x="0" y="0"/>
-                  </a:moveTo>
-                  <a:lnTo>
-                    <a:pt x="6913543" y="0"/>
-                  </a:lnTo>
-                  <a:lnTo>
-                    <a:pt x="6913543" y="0"/>
+                  </a:lnTo>
+                  <a:lnTo>
+                    <a:pt x="0" y="0"/>
                   </a:lnTo>
                 </a:path>
               </a:pathLst>
             </a:custGeom>
-            <a:ln w="6775" cap="flat">
+            <a:ln w="13550" cap="flat">
               <a:solidFill>
-                <a:srgbClr val="DEDEDE">
+                <a:srgbClr val="EBEBEB">
                   <a:alpha val="100000"/>
                 </a:srgbClr>
               </a:solidFill>
@@ -3519,28 +3519,28 @@
           </p:nvSpPr>
           <p:spPr>
             <a:xfrm>
-              <a:off x="2023549" y="2836251"/>
-              <a:ext cx="6913543" cy="0"/>
+              <a:off x="3053495" y="1809173"/>
+              <a:ext cx="0" cy="3464924"/>
             </a:xfrm>
             <a:custGeom>
               <a:avLst/>
               <a:pathLst>
-                <a:path w="6913543" h="0">
+                <a:path w="0" h="3464924">
                   <a:moveTo>
+                    <a:pt x="0" y="3464924"/>
+                  </a:moveTo>
+                  <a:lnTo>
                     <a:pt x="0" y="0"/>
-                  </a:moveTo>
-                  <a:lnTo>
-                    <a:pt x="6913543" y="0"/>
-                  </a:lnTo>
-                  <a:lnTo>
-                    <a:pt x="6913543" y="0"/>
+                  </a:lnTo>
+                  <a:lnTo>
+                    <a:pt x="0" y="0"/>
                   </a:lnTo>
                 </a:path>
               </a:pathLst>
             </a:custGeom>
-            <a:ln w="6775" cap="flat">
+            <a:ln w="13550" cap="flat">
               <a:solidFill>
-                <a:srgbClr val="DEDEDE">
+                <a:srgbClr val="EBEBEB">
                   <a:alpha val="100000"/>
                 </a:srgbClr>
               </a:solidFill>
@@ -3562,28 +3562,28 @@
           </p:nvSpPr>
           <p:spPr>
             <a:xfrm>
-              <a:off x="2023549" y="2057730"/>
-              <a:ext cx="6913543" cy="0"/>
+              <a:off x="3575715" y="1809173"/>
+              <a:ext cx="0" cy="3464924"/>
             </a:xfrm>
             <a:custGeom>
               <a:avLst/>
               <a:pathLst>
-                <a:path w="6913543" h="0">
+                <a:path w="0" h="3464924">
                   <a:moveTo>
+                    <a:pt x="0" y="3464924"/>
+                  </a:moveTo>
+                  <a:lnTo>
                     <a:pt x="0" y="0"/>
-                  </a:moveTo>
-                  <a:lnTo>
-                    <a:pt x="6913543" y="0"/>
-                  </a:lnTo>
-                  <a:lnTo>
-                    <a:pt x="6913543" y="0"/>
+                  </a:lnTo>
+                  <a:lnTo>
+                    <a:pt x="0" y="0"/>
                   </a:lnTo>
                 </a:path>
               </a:pathLst>
             </a:custGeom>
-            <a:ln w="6775" cap="flat">
+            <a:ln w="13550" cap="flat">
               <a:solidFill>
-                <a:srgbClr val="DEDEDE">
+                <a:srgbClr val="EBEBEB">
                   <a:alpha val="100000"/>
                 </a:srgbClr>
               </a:solidFill>
@@ -3605,15 +3605,15 @@
           </p:nvSpPr>
           <p:spPr>
             <a:xfrm>
-              <a:off x="2023549" y="1590617"/>
-              <a:ext cx="0" cy="4048310"/>
+              <a:off x="4097935" y="1809173"/>
+              <a:ext cx="0" cy="3464924"/>
             </a:xfrm>
             <a:custGeom>
               <a:avLst/>
               <a:pathLst>
-                <a:path w="0" h="4048310">
+                <a:path w="0" h="3464924">
                   <a:moveTo>
-                    <a:pt x="0" y="4048310"/>
+                    <a:pt x="0" y="3464924"/>
                   </a:moveTo>
                   <a:lnTo>
                     <a:pt x="0" y="0"/>
@@ -3624,9 +3624,9 @@
                 </a:path>
               </a:pathLst>
             </a:custGeom>
-            <a:ln w="6775" cap="flat">
+            <a:ln w="13550" cap="flat">
               <a:solidFill>
-                <a:srgbClr val="DEDEDE">
+                <a:srgbClr val="EBEBEB">
                   <a:alpha val="100000"/>
                 </a:srgbClr>
               </a:solidFill>
@@ -3642,34 +3642,125 @@
         </p:sp>
         <p:sp>
           <p:nvSpPr>
-            <p:cNvPr id="16" name="pl16"/>
-            <p:cNvSpPr/>
-            <p:nvPr/>
-          </p:nvSpPr>
-          <p:spPr>
-            <a:xfrm>
-              <a:off x="3641978" y="1590617"/>
-              <a:ext cx="0" cy="4048310"/>
-            </a:xfrm>
-            <a:custGeom>
-              <a:avLst/>
-              <a:pathLst>
-                <a:path w="0" h="4048310">
-                  <a:moveTo>
-                    <a:pt x="0" y="4048310"/>
-                  </a:moveTo>
-                  <a:lnTo>
-                    <a:pt x="0" y="0"/>
-                  </a:lnTo>
-                  <a:lnTo>
-                    <a:pt x="0" y="0"/>
-                  </a:lnTo>
-                </a:path>
-              </a:pathLst>
-            </a:custGeom>
-            <a:ln w="6775" cap="flat">
+            <p:cNvPr id="16" name="rc16"/>
+            <p:cNvSpPr/>
+            <p:nvPr/>
+          </p:nvSpPr>
+          <p:spPr>
+            <a:xfrm>
+              <a:off x="3862936" y="3951382"/>
+              <a:ext cx="469997" cy="1165218"/>
+            </a:xfrm>
+            <a:prstGeom prst="rect">
+              <a:avLst/>
+            </a:prstGeom>
+            <a:solidFill>
+              <a:srgbClr val="CB181D">
+                <a:alpha val="100000"/>
+              </a:srgbClr>
+            </a:solidFill>
+          </p:spPr>
+          <p:txBody>
+            <a:bodyPr/>
+            <a:lstStyle/>
+            <a:p/>
+          </p:txBody>
+        </p:sp>
+        <p:sp>
+          <p:nvSpPr>
+            <p:cNvPr id="17" name="rc17"/>
+            <p:cNvSpPr/>
+            <p:nvPr/>
+          </p:nvSpPr>
+          <p:spPr>
+            <a:xfrm>
+              <a:off x="2818496" y="1966669"/>
+              <a:ext cx="469997" cy="3149931"/>
+            </a:xfrm>
+            <a:prstGeom prst="rect">
+              <a:avLst/>
+            </a:prstGeom>
+            <a:solidFill>
+              <a:srgbClr val="FCAE91">
+                <a:alpha val="100000"/>
+              </a:srgbClr>
+            </a:solidFill>
+          </p:spPr>
+          <p:txBody>
+            <a:bodyPr/>
+            <a:lstStyle/>
+            <a:p/>
+          </p:txBody>
+        </p:sp>
+        <p:sp>
+          <p:nvSpPr>
+            <p:cNvPr id="18" name="rc18"/>
+            <p:cNvSpPr/>
+            <p:nvPr/>
+          </p:nvSpPr>
+          <p:spPr>
+            <a:xfrm>
+              <a:off x="3340716" y="4309911"/>
+              <a:ext cx="469997" cy="806689"/>
+            </a:xfrm>
+            <a:prstGeom prst="rect">
+              <a:avLst/>
+            </a:prstGeom>
+            <a:solidFill>
+              <a:srgbClr val="FB6A4A">
+                <a:alpha val="100000"/>
+              </a:srgbClr>
+            </a:solidFill>
+          </p:spPr>
+          <p:txBody>
+            <a:bodyPr/>
+            <a:lstStyle/>
+            <a:p/>
+          </p:txBody>
+        </p:sp>
+        <p:sp>
+          <p:nvSpPr>
+            <p:cNvPr id="19" name="rc19"/>
+            <p:cNvSpPr/>
+            <p:nvPr/>
+          </p:nvSpPr>
+          <p:spPr>
+            <a:xfrm>
+              <a:off x="2296276" y="4604416"/>
+              <a:ext cx="469997" cy="512183"/>
+            </a:xfrm>
+            <a:prstGeom prst="rect">
+              <a:avLst/>
+            </a:prstGeom>
+            <a:solidFill>
+              <a:srgbClr val="FEE5D9">
+                <a:alpha val="100000"/>
+              </a:srgbClr>
+            </a:solidFill>
+          </p:spPr>
+          <p:txBody>
+            <a:bodyPr/>
+            <a:lstStyle/>
+            <a:p/>
+          </p:txBody>
+        </p:sp>
+        <p:sp>
+          <p:nvSpPr>
+            <p:cNvPr id="20" name="rc20"/>
+            <p:cNvSpPr/>
+            <p:nvPr/>
+          </p:nvSpPr>
+          <p:spPr>
+            <a:xfrm>
+              <a:off x="2217943" y="1809173"/>
+              <a:ext cx="2193323" cy="3464924"/>
+            </a:xfrm>
+            <a:prstGeom prst="rect">
+              <a:avLst/>
+            </a:prstGeom>
+            <a:ln w="13550" cap="rnd">
               <a:solidFill>
-                <a:srgbClr val="DEDEDE">
+                <a:srgbClr val="333333">
                   <a:alpha val="100000"/>
                 </a:srgbClr>
               </a:solidFill>
@@ -3685,34 +3776,60 @@
         </p:sp>
         <p:sp>
           <p:nvSpPr>
-            <p:cNvPr id="17" name="pl17"/>
-            <p:cNvSpPr/>
-            <p:nvPr/>
-          </p:nvSpPr>
-          <p:spPr>
-            <a:xfrm>
-              <a:off x="5260408" y="1590617"/>
-              <a:ext cx="0" cy="4048310"/>
+            <p:cNvPr id="21" name="rc21"/>
+            <p:cNvSpPr/>
+            <p:nvPr/>
+          </p:nvSpPr>
+          <p:spPr>
+            <a:xfrm>
+              <a:off x="4480856" y="1809173"/>
+              <a:ext cx="2193323" cy="3464924"/>
+            </a:xfrm>
+            <a:prstGeom prst="rect">
+              <a:avLst/>
+            </a:prstGeom>
+            <a:solidFill>
+              <a:srgbClr val="FFFFFF">
+                <a:alpha val="100000"/>
+              </a:srgbClr>
+            </a:solidFill>
+          </p:spPr>
+          <p:txBody>
+            <a:bodyPr/>
+            <a:lstStyle/>
+            <a:p/>
+          </p:txBody>
+        </p:sp>
+        <p:sp>
+          <p:nvSpPr>
+            <p:cNvPr id="22" name="pl22"/>
+            <p:cNvSpPr/>
+            <p:nvPr/>
+          </p:nvSpPr>
+          <p:spPr>
+            <a:xfrm>
+              <a:off x="4480856" y="4553198"/>
+              <a:ext cx="2193323" cy="0"/>
             </a:xfrm>
             <a:custGeom>
               <a:avLst/>
               <a:pathLst>
-                <a:path w="0" h="4048310">
+                <a:path w="2193323" h="0">
                   <a:moveTo>
-                    <a:pt x="0" y="4048310"/>
+                    <a:pt x="0" y="0"/>
                   </a:moveTo>
                   <a:lnTo>
-                    <a:pt x="0" y="0"/>
-                  </a:lnTo>
-                  <a:lnTo>
-                    <a:pt x="0" y="0"/>
+                    <a:pt x="2193323" y="0"/>
+                  </a:lnTo>
+                  <a:lnTo>
+                    <a:pt x="2193323" y="0"/>
                   </a:lnTo>
                 </a:path>
               </a:pathLst>
             </a:custGeom>
             <a:ln w="6775" cap="flat">
               <a:solidFill>
-                <a:srgbClr val="DEDEDE">
+                <a:srgbClr val="EBEBEB">
                   <a:alpha val="100000"/>
                 </a:srgbClr>
               </a:solidFill>
@@ -3728,34 +3845,34 @@
         </p:sp>
         <p:sp>
           <p:nvSpPr>
-            <p:cNvPr id="18" name="pl18"/>
-            <p:cNvSpPr/>
-            <p:nvPr/>
-          </p:nvSpPr>
-          <p:spPr>
-            <a:xfrm>
-              <a:off x="6878838" y="1590617"/>
-              <a:ext cx="0" cy="4048310"/>
+            <p:cNvPr id="23" name="pl23"/>
+            <p:cNvSpPr/>
+            <p:nvPr/>
+          </p:nvSpPr>
+          <p:spPr>
+            <a:xfrm>
+              <a:off x="4480856" y="3426393"/>
+              <a:ext cx="2193323" cy="0"/>
             </a:xfrm>
             <a:custGeom>
               <a:avLst/>
               <a:pathLst>
-                <a:path w="0" h="4048310">
+                <a:path w="2193323" h="0">
                   <a:moveTo>
-                    <a:pt x="0" y="4048310"/>
+                    <a:pt x="0" y="0"/>
                   </a:moveTo>
                   <a:lnTo>
-                    <a:pt x="0" y="0"/>
-                  </a:lnTo>
-                  <a:lnTo>
-                    <a:pt x="0" y="0"/>
+                    <a:pt x="2193323" y="0"/>
+                  </a:lnTo>
+                  <a:lnTo>
+                    <a:pt x="2193323" y="0"/>
                   </a:lnTo>
                 </a:path>
               </a:pathLst>
             </a:custGeom>
             <a:ln w="6775" cap="flat">
               <a:solidFill>
-                <a:srgbClr val="DEDEDE">
+                <a:srgbClr val="EBEBEB">
                   <a:alpha val="100000"/>
                 </a:srgbClr>
               </a:solidFill>
@@ -3771,34 +3888,34 @@
         </p:sp>
         <p:sp>
           <p:nvSpPr>
-            <p:cNvPr id="19" name="pl19"/>
-            <p:cNvSpPr/>
-            <p:nvPr/>
-          </p:nvSpPr>
-          <p:spPr>
-            <a:xfrm>
-              <a:off x="8497268" y="1590617"/>
-              <a:ext cx="0" cy="4048310"/>
+            <p:cNvPr id="24" name="pl24"/>
+            <p:cNvSpPr/>
+            <p:nvPr/>
+          </p:nvSpPr>
+          <p:spPr>
+            <a:xfrm>
+              <a:off x="4480856" y="2299589"/>
+              <a:ext cx="2193323" cy="0"/>
             </a:xfrm>
             <a:custGeom>
               <a:avLst/>
               <a:pathLst>
-                <a:path w="0" h="4048310">
+                <a:path w="2193323" h="0">
                   <a:moveTo>
-                    <a:pt x="0" y="4048310"/>
+                    <a:pt x="0" y="0"/>
                   </a:moveTo>
                   <a:lnTo>
-                    <a:pt x="0" y="0"/>
-                  </a:lnTo>
-                  <a:lnTo>
-                    <a:pt x="0" y="0"/>
+                    <a:pt x="2193323" y="0"/>
+                  </a:lnTo>
+                  <a:lnTo>
+                    <a:pt x="2193323" y="0"/>
                   </a:lnTo>
                 </a:path>
               </a:pathLst>
             </a:custGeom>
             <a:ln w="6775" cap="flat">
               <a:solidFill>
-                <a:srgbClr val="DEDEDE">
+                <a:srgbClr val="EBEBEB">
                   <a:alpha val="100000"/>
                 </a:srgbClr>
               </a:solidFill>
@@ -3814,381 +3931,34 @@
         </p:sp>
         <p:sp>
           <p:nvSpPr>
-            <p:cNvPr id="20" name="rc20"/>
-            <p:cNvSpPr/>
-            <p:nvPr/>
-          </p:nvSpPr>
-          <p:spPr>
-            <a:xfrm>
-              <a:off x="2023549" y="1707395"/>
-              <a:ext cx="6777983" cy="700669"/>
-            </a:xfrm>
-            <a:prstGeom prst="rect">
-              <a:avLst/>
-            </a:prstGeom>
-            <a:solidFill>
-              <a:srgbClr val="595959">
-                <a:alpha val="100000"/>
-              </a:srgbClr>
-            </a:solidFill>
-          </p:spPr>
-          <p:txBody>
-            <a:bodyPr/>
-            <a:lstStyle/>
-            <a:p/>
-          </p:txBody>
-        </p:sp>
-        <p:sp>
-          <p:nvSpPr>
-            <p:cNvPr id="21" name="rc21"/>
-            <p:cNvSpPr/>
-            <p:nvPr/>
-          </p:nvSpPr>
-          <p:spPr>
-            <a:xfrm>
-              <a:off x="2023549" y="2485916"/>
-              <a:ext cx="6169453" cy="700669"/>
-            </a:xfrm>
-            <a:prstGeom prst="rect">
-              <a:avLst/>
-            </a:prstGeom>
-            <a:solidFill>
-              <a:srgbClr val="595959">
-                <a:alpha val="100000"/>
-              </a:srgbClr>
-            </a:solidFill>
-          </p:spPr>
-          <p:txBody>
-            <a:bodyPr/>
-            <a:lstStyle/>
-            <a:p/>
-          </p:txBody>
-        </p:sp>
-        <p:sp>
-          <p:nvSpPr>
-            <p:cNvPr id="22" name="rc22"/>
-            <p:cNvSpPr/>
-            <p:nvPr/>
-          </p:nvSpPr>
-          <p:spPr>
-            <a:xfrm>
-              <a:off x="2023549" y="3264438"/>
-              <a:ext cx="4065495" cy="700669"/>
-            </a:xfrm>
-            <a:prstGeom prst="rect">
-              <a:avLst/>
-            </a:prstGeom>
-            <a:solidFill>
-              <a:srgbClr val="595959">
-                <a:alpha val="100000"/>
-              </a:srgbClr>
-            </a:solidFill>
-          </p:spPr>
-          <p:txBody>
-            <a:bodyPr/>
-            <a:lstStyle/>
-            <a:p/>
-          </p:txBody>
-        </p:sp>
-        <p:sp>
-          <p:nvSpPr>
-            <p:cNvPr id="23" name="rc23"/>
-            <p:cNvSpPr/>
-            <p:nvPr/>
-          </p:nvSpPr>
-          <p:spPr>
-            <a:xfrm>
-              <a:off x="2023549" y="4042959"/>
-              <a:ext cx="2317591" cy="700669"/>
-            </a:xfrm>
-            <a:prstGeom prst="rect">
-              <a:avLst/>
-            </a:prstGeom>
-            <a:solidFill>
-              <a:srgbClr val="595959">
-                <a:alpha val="100000"/>
-              </a:srgbClr>
-            </a:solidFill>
-          </p:spPr>
-          <p:txBody>
-            <a:bodyPr/>
-            <a:lstStyle/>
-            <a:p/>
-          </p:txBody>
-        </p:sp>
-        <p:sp>
-          <p:nvSpPr>
-            <p:cNvPr id="24" name="rc24"/>
-            <p:cNvSpPr/>
-            <p:nvPr/>
-          </p:nvSpPr>
-          <p:spPr>
-            <a:xfrm>
-              <a:off x="2023549" y="4821480"/>
-              <a:ext cx="1482481" cy="700669"/>
-            </a:xfrm>
-            <a:prstGeom prst="rect">
-              <a:avLst/>
-            </a:prstGeom>
-            <a:solidFill>
-              <a:srgbClr val="595959">
-                <a:alpha val="100000"/>
-              </a:srgbClr>
-            </a:solidFill>
-          </p:spPr>
-          <p:txBody>
-            <a:bodyPr/>
-            <a:lstStyle/>
-            <a:p/>
-          </p:txBody>
-        </p:sp>
-        <p:sp>
-          <p:nvSpPr>
-            <p:cNvPr id="25" name="tx25"/>
-            <p:cNvSpPr/>
-            <p:nvPr/>
-          </p:nvSpPr>
-          <p:spPr>
-            <a:xfrm>
-              <a:off x="8431162" y="2001770"/>
-              <a:ext cx="237982" cy="79239"/>
-            </a:xfrm>
-            <a:prstGeom prst="rect">
-              <a:avLst/>
-            </a:prstGeom>
-            <a:noFill/>
-          </p:spPr>
-          <p:txBody>
-            <a:bodyPr lIns="0" rIns="0" tIns="0" bIns="0" anchorCtr="1" anchor="ctr" wrap="none"/>
-            <a:lstStyle/>
-            <a:p>
-              <a:pPr algn="l" marL="0" marR="0" indent="0">
-                <a:lnSpc>
-                  <a:spcPts val="853"/>
-                </a:lnSpc>
-                <a:spcBef>
-                  <a:spcPts val="0"/>
-                </a:spcBef>
-                <a:spcAft>
-                  <a:spcPts val="0"/>
-                </a:spcAft>
-              </a:pPr>
-              <a:r>
-                <a:rPr sz="853" b="1">
-                  <a:solidFill>
-                    <a:srgbClr val="FFFFFF">
-                      <a:alpha val="100000"/>
-                    </a:srgbClr>
-                  </a:solidFill>
-                  <a:latin typeface="Arial"/>
-                  <a:cs typeface="Arial"/>
-                </a:rPr>
-                <a:t>2-5个</a:t>
-              </a:r>
-            </a:p>
-          </p:txBody>
-        </p:sp>
-        <p:sp>
-          <p:nvSpPr>
-            <p:cNvPr id="26" name="tx26"/>
-            <p:cNvSpPr/>
-            <p:nvPr/>
-          </p:nvSpPr>
-          <p:spPr>
-            <a:xfrm>
-              <a:off x="7762343" y="2780291"/>
-              <a:ext cx="298272" cy="79239"/>
-            </a:xfrm>
-            <a:prstGeom prst="rect">
-              <a:avLst/>
-            </a:prstGeom>
-            <a:noFill/>
-          </p:spPr>
-          <p:txBody>
-            <a:bodyPr lIns="0" rIns="0" tIns="0" bIns="0" anchorCtr="1" anchor="ctr" wrap="none"/>
-            <a:lstStyle/>
-            <a:p>
-              <a:pPr algn="l" marL="0" marR="0" indent="0">
-                <a:lnSpc>
-                  <a:spcPts val="853"/>
-                </a:lnSpc>
-                <a:spcBef>
-                  <a:spcPts val="0"/>
-                </a:spcBef>
-                <a:spcAft>
-                  <a:spcPts val="0"/>
-                </a:spcAft>
-              </a:pPr>
-              <a:r>
-                <a:rPr sz="853" b="1">
-                  <a:solidFill>
-                    <a:srgbClr val="FFFFFF">
-                      <a:alpha val="100000"/>
-                    </a:srgbClr>
-                  </a:solidFill>
-                  <a:latin typeface="Arial"/>
-                  <a:cs typeface="Arial"/>
-                </a:rPr>
-                <a:t>6-10个</a:t>
-              </a:r>
-            </a:p>
-          </p:txBody>
-        </p:sp>
-        <p:sp>
-          <p:nvSpPr>
-            <p:cNvPr id="27" name="tx27"/>
-            <p:cNvSpPr/>
-            <p:nvPr/>
-          </p:nvSpPr>
-          <p:spPr>
-            <a:xfrm>
-              <a:off x="5062315" y="3570299"/>
-              <a:ext cx="894341" cy="67753"/>
-            </a:xfrm>
-            <a:prstGeom prst="rect">
-              <a:avLst/>
-            </a:prstGeom>
-            <a:noFill/>
-          </p:spPr>
-          <p:txBody>
-            <a:bodyPr lIns="0" rIns="0" tIns="0" bIns="0" anchorCtr="1" anchor="ctr" wrap="none"/>
-            <a:lstStyle/>
-            <a:p>
-              <a:pPr algn="l" marL="0" marR="0" indent="0">
-                <a:lnSpc>
-                  <a:spcPts val="853"/>
-                </a:lnSpc>
-                <a:spcBef>
-                  <a:spcPts val="0"/>
-                </a:spcBef>
-                <a:spcAft>
-                  <a:spcPts val="0"/>
-                </a:spcAft>
-              </a:pPr>
-              <a:r>
-                <a:rPr sz="853" b="1">
-                  <a:solidFill>
-                    <a:srgbClr val="FFFFFF">
-                      <a:alpha val="100000"/>
-                    </a:srgbClr>
-                  </a:solidFill>
-                  <a:latin typeface="Arial"/>
-                  <a:cs typeface="Arial"/>
-                </a:rPr>
-                <a:t>还真没有注意过这个问题</a:t>
-              </a:r>
-            </a:p>
-          </p:txBody>
-        </p:sp>
-        <p:sp>
-          <p:nvSpPr>
-            <p:cNvPr id="28" name="tx28"/>
-            <p:cNvSpPr/>
-            <p:nvPr/>
-          </p:nvSpPr>
-          <p:spPr>
-            <a:xfrm>
-              <a:off x="4473528" y="4364339"/>
-              <a:ext cx="325215" cy="67753"/>
-            </a:xfrm>
-            <a:prstGeom prst="rect">
-              <a:avLst/>
-            </a:prstGeom>
-            <a:noFill/>
-          </p:spPr>
-          <p:txBody>
-            <a:bodyPr lIns="0" rIns="0" tIns="0" bIns="0" anchorCtr="1" anchor="ctr" wrap="none"/>
-            <a:lstStyle/>
-            <a:p>
-              <a:pPr algn="l" marL="0" marR="0" indent="0">
-                <a:lnSpc>
-                  <a:spcPts val="853"/>
-                </a:lnSpc>
-                <a:spcBef>
-                  <a:spcPts val="0"/>
-                </a:spcBef>
-                <a:spcAft>
-                  <a:spcPts val="0"/>
-                </a:spcAft>
-              </a:pPr>
-              <a:r>
-                <a:rPr sz="853">
-                  <a:solidFill>
-                    <a:srgbClr val="000000">
-                      <a:alpha val="100000"/>
-                    </a:srgbClr>
-                  </a:solidFill>
-                  <a:latin typeface="Arial"/>
-                  <a:cs typeface="Arial"/>
-                </a:rPr>
-                <a:t>单一菌株</a:t>
-              </a:r>
-            </a:p>
-          </p:txBody>
-        </p:sp>
-        <p:sp>
-          <p:nvSpPr>
-            <p:cNvPr id="29" name="tx29"/>
-            <p:cNvSpPr/>
-            <p:nvPr/>
-          </p:nvSpPr>
-          <p:spPr>
-            <a:xfrm>
-              <a:off x="3638418" y="5131375"/>
-              <a:ext cx="261378" cy="79239"/>
-            </a:xfrm>
-            <a:prstGeom prst="rect">
-              <a:avLst/>
-            </a:prstGeom>
-            <a:noFill/>
-          </p:spPr>
-          <p:txBody>
-            <a:bodyPr lIns="0" rIns="0" tIns="0" bIns="0" anchorCtr="1" anchor="ctr" wrap="none"/>
-            <a:lstStyle/>
-            <a:p>
-              <a:pPr algn="l" marL="0" marR="0" indent="0">
-                <a:lnSpc>
-                  <a:spcPts val="853"/>
-                </a:lnSpc>
-                <a:spcBef>
-                  <a:spcPts val="0"/>
-                </a:spcBef>
-                <a:spcAft>
-                  <a:spcPts val="0"/>
-                </a:spcAft>
-              </a:pPr>
-              <a:r>
-                <a:rPr sz="853">
-                  <a:solidFill>
-                    <a:srgbClr val="000000">
-                      <a:alpha val="100000"/>
-                    </a:srgbClr>
-                  </a:solidFill>
-                  <a:latin typeface="Arial"/>
-                  <a:cs typeface="Arial"/>
-                </a:rPr>
-                <a:t>≥10个</a:t>
-              </a:r>
-            </a:p>
-          </p:txBody>
-        </p:sp>
-        <p:sp>
-          <p:nvSpPr>
-            <p:cNvPr id="30" name="rc30"/>
-            <p:cNvSpPr/>
-            <p:nvPr/>
-          </p:nvSpPr>
-          <p:spPr>
-            <a:xfrm>
-              <a:off x="2023549" y="1590617"/>
-              <a:ext cx="6913543" cy="4048310"/>
-            </a:xfrm>
-            <a:prstGeom prst="rect">
-              <a:avLst/>
-            </a:prstGeom>
-            <a:ln w="13550" cap="rnd">
+            <p:cNvPr id="25" name="pl25"/>
+            <p:cNvSpPr/>
+            <p:nvPr/>
+          </p:nvSpPr>
+          <p:spPr>
+            <a:xfrm>
+              <a:off x="4480856" y="5116600"/>
+              <a:ext cx="2193323" cy="0"/>
+            </a:xfrm>
+            <a:custGeom>
+              <a:avLst/>
+              <a:pathLst>
+                <a:path w="2193323" h="0">
+                  <a:moveTo>
+                    <a:pt x="0" y="0"/>
+                  </a:moveTo>
+                  <a:lnTo>
+                    <a:pt x="2193323" y="0"/>
+                  </a:lnTo>
+                  <a:lnTo>
+                    <a:pt x="2193323" y="0"/>
+                  </a:lnTo>
+                </a:path>
+              </a:pathLst>
+            </a:custGeom>
+            <a:ln w="13550" cap="flat">
               <a:solidFill>
-                <a:srgbClr val="B3B3B3">
+                <a:srgbClr val="EBEBEB">
                   <a:alpha val="100000"/>
                 </a:srgbClr>
               </a:solidFill>
@@ -4204,14 +3974,1031 @@
         </p:sp>
         <p:sp>
           <p:nvSpPr>
-            <p:cNvPr id="31" name="tx31"/>
-            <p:cNvSpPr/>
-            <p:nvPr/>
-          </p:nvSpPr>
-          <p:spPr>
-            <a:xfrm>
-              <a:off x="1926599" y="5131542"/>
-              <a:ext cx="62155" cy="80272"/>
+            <p:cNvPr id="26" name="pl26"/>
+            <p:cNvSpPr/>
+            <p:nvPr/>
+          </p:nvSpPr>
+          <p:spPr>
+            <a:xfrm>
+              <a:off x="4480856" y="3989796"/>
+              <a:ext cx="2193323" cy="0"/>
+            </a:xfrm>
+            <a:custGeom>
+              <a:avLst/>
+              <a:pathLst>
+                <a:path w="2193323" h="0">
+                  <a:moveTo>
+                    <a:pt x="0" y="0"/>
+                  </a:moveTo>
+                  <a:lnTo>
+                    <a:pt x="2193323" y="0"/>
+                  </a:lnTo>
+                  <a:lnTo>
+                    <a:pt x="2193323" y="0"/>
+                  </a:lnTo>
+                </a:path>
+              </a:pathLst>
+            </a:custGeom>
+            <a:ln w="13550" cap="flat">
+              <a:solidFill>
+                <a:srgbClr val="EBEBEB">
+                  <a:alpha val="100000"/>
+                </a:srgbClr>
+              </a:solidFill>
+              <a:prstDash val="solid"/>
+              <a:round/>
+            </a:ln>
+          </p:spPr>
+          <p:txBody>
+            <a:bodyPr/>
+            <a:lstStyle/>
+            <a:p/>
+          </p:txBody>
+        </p:sp>
+        <p:sp>
+          <p:nvSpPr>
+            <p:cNvPr id="27" name="pl27"/>
+            <p:cNvSpPr/>
+            <p:nvPr/>
+          </p:nvSpPr>
+          <p:spPr>
+            <a:xfrm>
+              <a:off x="4480856" y="2862991"/>
+              <a:ext cx="2193323" cy="0"/>
+            </a:xfrm>
+            <a:custGeom>
+              <a:avLst/>
+              <a:pathLst>
+                <a:path w="2193323" h="0">
+                  <a:moveTo>
+                    <a:pt x="0" y="0"/>
+                  </a:moveTo>
+                  <a:lnTo>
+                    <a:pt x="2193323" y="0"/>
+                  </a:lnTo>
+                  <a:lnTo>
+                    <a:pt x="2193323" y="0"/>
+                  </a:lnTo>
+                </a:path>
+              </a:pathLst>
+            </a:custGeom>
+            <a:ln w="13550" cap="flat">
+              <a:solidFill>
+                <a:srgbClr val="EBEBEB">
+                  <a:alpha val="100000"/>
+                </a:srgbClr>
+              </a:solidFill>
+              <a:prstDash val="solid"/>
+              <a:round/>
+            </a:ln>
+          </p:spPr>
+          <p:txBody>
+            <a:bodyPr/>
+            <a:lstStyle/>
+            <a:p/>
+          </p:txBody>
+        </p:sp>
+        <p:sp>
+          <p:nvSpPr>
+            <p:cNvPr id="28" name="pl28"/>
+            <p:cNvSpPr/>
+            <p:nvPr/>
+          </p:nvSpPr>
+          <p:spPr>
+            <a:xfrm>
+              <a:off x="4794188" y="1809173"/>
+              <a:ext cx="0" cy="3464924"/>
+            </a:xfrm>
+            <a:custGeom>
+              <a:avLst/>
+              <a:pathLst>
+                <a:path w="0" h="3464924">
+                  <a:moveTo>
+                    <a:pt x="0" y="3464924"/>
+                  </a:moveTo>
+                  <a:lnTo>
+                    <a:pt x="0" y="0"/>
+                  </a:lnTo>
+                  <a:lnTo>
+                    <a:pt x="0" y="0"/>
+                  </a:lnTo>
+                </a:path>
+              </a:pathLst>
+            </a:custGeom>
+            <a:ln w="13550" cap="flat">
+              <a:solidFill>
+                <a:srgbClr val="EBEBEB">
+                  <a:alpha val="100000"/>
+                </a:srgbClr>
+              </a:solidFill>
+              <a:prstDash val="solid"/>
+              <a:round/>
+            </a:ln>
+          </p:spPr>
+          <p:txBody>
+            <a:bodyPr/>
+            <a:lstStyle/>
+            <a:p/>
+          </p:txBody>
+        </p:sp>
+        <p:sp>
+          <p:nvSpPr>
+            <p:cNvPr id="29" name="pl29"/>
+            <p:cNvSpPr/>
+            <p:nvPr/>
+          </p:nvSpPr>
+          <p:spPr>
+            <a:xfrm>
+              <a:off x="5316408" y="1809173"/>
+              <a:ext cx="0" cy="3464924"/>
+            </a:xfrm>
+            <a:custGeom>
+              <a:avLst/>
+              <a:pathLst>
+                <a:path w="0" h="3464924">
+                  <a:moveTo>
+                    <a:pt x="0" y="3464924"/>
+                  </a:moveTo>
+                  <a:lnTo>
+                    <a:pt x="0" y="0"/>
+                  </a:lnTo>
+                  <a:lnTo>
+                    <a:pt x="0" y="0"/>
+                  </a:lnTo>
+                </a:path>
+              </a:pathLst>
+            </a:custGeom>
+            <a:ln w="13550" cap="flat">
+              <a:solidFill>
+                <a:srgbClr val="EBEBEB">
+                  <a:alpha val="100000"/>
+                </a:srgbClr>
+              </a:solidFill>
+              <a:prstDash val="solid"/>
+              <a:round/>
+            </a:ln>
+          </p:spPr>
+          <p:txBody>
+            <a:bodyPr/>
+            <a:lstStyle/>
+            <a:p/>
+          </p:txBody>
+        </p:sp>
+        <p:sp>
+          <p:nvSpPr>
+            <p:cNvPr id="30" name="pl30"/>
+            <p:cNvSpPr/>
+            <p:nvPr/>
+          </p:nvSpPr>
+          <p:spPr>
+            <a:xfrm>
+              <a:off x="5838627" y="1809173"/>
+              <a:ext cx="0" cy="3464924"/>
+            </a:xfrm>
+            <a:custGeom>
+              <a:avLst/>
+              <a:pathLst>
+                <a:path w="0" h="3464924">
+                  <a:moveTo>
+                    <a:pt x="0" y="3464924"/>
+                  </a:moveTo>
+                  <a:lnTo>
+                    <a:pt x="0" y="0"/>
+                  </a:lnTo>
+                  <a:lnTo>
+                    <a:pt x="0" y="0"/>
+                  </a:lnTo>
+                </a:path>
+              </a:pathLst>
+            </a:custGeom>
+            <a:ln w="13550" cap="flat">
+              <a:solidFill>
+                <a:srgbClr val="EBEBEB">
+                  <a:alpha val="100000"/>
+                </a:srgbClr>
+              </a:solidFill>
+              <a:prstDash val="solid"/>
+              <a:round/>
+            </a:ln>
+          </p:spPr>
+          <p:txBody>
+            <a:bodyPr/>
+            <a:lstStyle/>
+            <a:p/>
+          </p:txBody>
+        </p:sp>
+        <p:sp>
+          <p:nvSpPr>
+            <p:cNvPr id="31" name="pl31"/>
+            <p:cNvSpPr/>
+            <p:nvPr/>
+          </p:nvSpPr>
+          <p:spPr>
+            <a:xfrm>
+              <a:off x="6360847" y="1809173"/>
+              <a:ext cx="0" cy="3464924"/>
+            </a:xfrm>
+            <a:custGeom>
+              <a:avLst/>
+              <a:pathLst>
+                <a:path w="0" h="3464924">
+                  <a:moveTo>
+                    <a:pt x="0" y="3464924"/>
+                  </a:moveTo>
+                  <a:lnTo>
+                    <a:pt x="0" y="0"/>
+                  </a:lnTo>
+                  <a:lnTo>
+                    <a:pt x="0" y="0"/>
+                  </a:lnTo>
+                </a:path>
+              </a:pathLst>
+            </a:custGeom>
+            <a:ln w="13550" cap="flat">
+              <a:solidFill>
+                <a:srgbClr val="EBEBEB">
+                  <a:alpha val="100000"/>
+                </a:srgbClr>
+              </a:solidFill>
+              <a:prstDash val="solid"/>
+              <a:round/>
+            </a:ln>
+          </p:spPr>
+          <p:txBody>
+            <a:bodyPr/>
+            <a:lstStyle/>
+            <a:p/>
+          </p:txBody>
+        </p:sp>
+        <p:sp>
+          <p:nvSpPr>
+            <p:cNvPr id="32" name="rc32"/>
+            <p:cNvSpPr/>
+            <p:nvPr/>
+          </p:nvSpPr>
+          <p:spPr>
+            <a:xfrm>
+              <a:off x="6125848" y="3854927"/>
+              <a:ext cx="469997" cy="1261673"/>
+            </a:xfrm>
+            <a:prstGeom prst="rect">
+              <a:avLst/>
+            </a:prstGeom>
+            <a:solidFill>
+              <a:srgbClr val="CB181D">
+                <a:alpha val="100000"/>
+              </a:srgbClr>
+            </a:solidFill>
+          </p:spPr>
+          <p:txBody>
+            <a:bodyPr/>
+            <a:lstStyle/>
+            <a:p/>
+          </p:txBody>
+        </p:sp>
+        <p:sp>
+          <p:nvSpPr>
+            <p:cNvPr id="33" name="rc33"/>
+            <p:cNvSpPr/>
+            <p:nvPr/>
+          </p:nvSpPr>
+          <p:spPr>
+            <a:xfrm>
+              <a:off x="5081409" y="2310465"/>
+              <a:ext cx="469997" cy="2806135"/>
+            </a:xfrm>
+            <a:prstGeom prst="rect">
+              <a:avLst/>
+            </a:prstGeom>
+            <a:solidFill>
+              <a:srgbClr val="FCAE91">
+                <a:alpha val="100000"/>
+              </a:srgbClr>
+            </a:solidFill>
+          </p:spPr>
+          <p:txBody>
+            <a:bodyPr/>
+            <a:lstStyle/>
+            <a:p/>
+          </p:txBody>
+        </p:sp>
+        <p:sp>
+          <p:nvSpPr>
+            <p:cNvPr id="34" name="rc34"/>
+            <p:cNvSpPr/>
+            <p:nvPr/>
+          </p:nvSpPr>
+          <p:spPr>
+            <a:xfrm>
+              <a:off x="5603629" y="3985445"/>
+              <a:ext cx="469997" cy="1131155"/>
+            </a:xfrm>
+            <a:prstGeom prst="rect">
+              <a:avLst/>
+            </a:prstGeom>
+            <a:solidFill>
+              <a:srgbClr val="FB6A4A">
+                <a:alpha val="100000"/>
+              </a:srgbClr>
+            </a:solidFill>
+          </p:spPr>
+          <p:txBody>
+            <a:bodyPr/>
+            <a:lstStyle/>
+            <a:p/>
+          </p:txBody>
+        </p:sp>
+        <p:sp>
+          <p:nvSpPr>
+            <p:cNvPr id="35" name="rc35"/>
+            <p:cNvSpPr/>
+            <p:nvPr/>
+          </p:nvSpPr>
+          <p:spPr>
+            <a:xfrm>
+              <a:off x="4559189" y="4681541"/>
+              <a:ext cx="469997" cy="435059"/>
+            </a:xfrm>
+            <a:prstGeom prst="rect">
+              <a:avLst/>
+            </a:prstGeom>
+            <a:solidFill>
+              <a:srgbClr val="FEE5D9">
+                <a:alpha val="100000"/>
+              </a:srgbClr>
+            </a:solidFill>
+          </p:spPr>
+          <p:txBody>
+            <a:bodyPr/>
+            <a:lstStyle/>
+            <a:p/>
+          </p:txBody>
+        </p:sp>
+        <p:sp>
+          <p:nvSpPr>
+            <p:cNvPr id="36" name="rc36"/>
+            <p:cNvSpPr/>
+            <p:nvPr/>
+          </p:nvSpPr>
+          <p:spPr>
+            <a:xfrm>
+              <a:off x="4480856" y="1809173"/>
+              <a:ext cx="2193323" cy="3464924"/>
+            </a:xfrm>
+            <a:prstGeom prst="rect">
+              <a:avLst/>
+            </a:prstGeom>
+            <a:ln w="13550" cap="rnd">
+              <a:solidFill>
+                <a:srgbClr val="333333">
+                  <a:alpha val="100000"/>
+                </a:srgbClr>
+              </a:solidFill>
+              <a:prstDash val="solid"/>
+              <a:round/>
+            </a:ln>
+          </p:spPr>
+          <p:txBody>
+            <a:bodyPr/>
+            <a:lstStyle/>
+            <a:p/>
+          </p:txBody>
+        </p:sp>
+        <p:sp>
+          <p:nvSpPr>
+            <p:cNvPr id="37" name="rc37"/>
+            <p:cNvSpPr/>
+            <p:nvPr/>
+          </p:nvSpPr>
+          <p:spPr>
+            <a:xfrm>
+              <a:off x="6743768" y="1809173"/>
+              <a:ext cx="2193323" cy="3464924"/>
+            </a:xfrm>
+            <a:prstGeom prst="rect">
+              <a:avLst/>
+            </a:prstGeom>
+            <a:solidFill>
+              <a:srgbClr val="FFFFFF">
+                <a:alpha val="100000"/>
+              </a:srgbClr>
+            </a:solidFill>
+          </p:spPr>
+          <p:txBody>
+            <a:bodyPr/>
+            <a:lstStyle/>
+            <a:p/>
+          </p:txBody>
+        </p:sp>
+        <p:sp>
+          <p:nvSpPr>
+            <p:cNvPr id="38" name="pl38"/>
+            <p:cNvSpPr/>
+            <p:nvPr/>
+          </p:nvSpPr>
+          <p:spPr>
+            <a:xfrm>
+              <a:off x="6743768" y="4553198"/>
+              <a:ext cx="2193323" cy="0"/>
+            </a:xfrm>
+            <a:custGeom>
+              <a:avLst/>
+              <a:pathLst>
+                <a:path w="2193323" h="0">
+                  <a:moveTo>
+                    <a:pt x="0" y="0"/>
+                  </a:moveTo>
+                  <a:lnTo>
+                    <a:pt x="2193323" y="0"/>
+                  </a:lnTo>
+                  <a:lnTo>
+                    <a:pt x="2193323" y="0"/>
+                  </a:lnTo>
+                </a:path>
+              </a:pathLst>
+            </a:custGeom>
+            <a:ln w="6775" cap="flat">
+              <a:solidFill>
+                <a:srgbClr val="EBEBEB">
+                  <a:alpha val="100000"/>
+                </a:srgbClr>
+              </a:solidFill>
+              <a:prstDash val="solid"/>
+              <a:round/>
+            </a:ln>
+          </p:spPr>
+          <p:txBody>
+            <a:bodyPr/>
+            <a:lstStyle/>
+            <a:p/>
+          </p:txBody>
+        </p:sp>
+        <p:sp>
+          <p:nvSpPr>
+            <p:cNvPr id="39" name="pl39"/>
+            <p:cNvSpPr/>
+            <p:nvPr/>
+          </p:nvSpPr>
+          <p:spPr>
+            <a:xfrm>
+              <a:off x="6743768" y="3426393"/>
+              <a:ext cx="2193323" cy="0"/>
+            </a:xfrm>
+            <a:custGeom>
+              <a:avLst/>
+              <a:pathLst>
+                <a:path w="2193323" h="0">
+                  <a:moveTo>
+                    <a:pt x="0" y="0"/>
+                  </a:moveTo>
+                  <a:lnTo>
+                    <a:pt x="2193323" y="0"/>
+                  </a:lnTo>
+                  <a:lnTo>
+                    <a:pt x="2193323" y="0"/>
+                  </a:lnTo>
+                </a:path>
+              </a:pathLst>
+            </a:custGeom>
+            <a:ln w="6775" cap="flat">
+              <a:solidFill>
+                <a:srgbClr val="EBEBEB">
+                  <a:alpha val="100000"/>
+                </a:srgbClr>
+              </a:solidFill>
+              <a:prstDash val="solid"/>
+              <a:round/>
+            </a:ln>
+          </p:spPr>
+          <p:txBody>
+            <a:bodyPr/>
+            <a:lstStyle/>
+            <a:p/>
+          </p:txBody>
+        </p:sp>
+        <p:sp>
+          <p:nvSpPr>
+            <p:cNvPr id="40" name="pl40"/>
+            <p:cNvSpPr/>
+            <p:nvPr/>
+          </p:nvSpPr>
+          <p:spPr>
+            <a:xfrm>
+              <a:off x="6743768" y="2299589"/>
+              <a:ext cx="2193323" cy="0"/>
+            </a:xfrm>
+            <a:custGeom>
+              <a:avLst/>
+              <a:pathLst>
+                <a:path w="2193323" h="0">
+                  <a:moveTo>
+                    <a:pt x="0" y="0"/>
+                  </a:moveTo>
+                  <a:lnTo>
+                    <a:pt x="2193323" y="0"/>
+                  </a:lnTo>
+                  <a:lnTo>
+                    <a:pt x="2193323" y="0"/>
+                  </a:lnTo>
+                </a:path>
+              </a:pathLst>
+            </a:custGeom>
+            <a:ln w="6775" cap="flat">
+              <a:solidFill>
+                <a:srgbClr val="EBEBEB">
+                  <a:alpha val="100000"/>
+                </a:srgbClr>
+              </a:solidFill>
+              <a:prstDash val="solid"/>
+              <a:round/>
+            </a:ln>
+          </p:spPr>
+          <p:txBody>
+            <a:bodyPr/>
+            <a:lstStyle/>
+            <a:p/>
+          </p:txBody>
+        </p:sp>
+        <p:sp>
+          <p:nvSpPr>
+            <p:cNvPr id="41" name="pl41"/>
+            <p:cNvSpPr/>
+            <p:nvPr/>
+          </p:nvSpPr>
+          <p:spPr>
+            <a:xfrm>
+              <a:off x="6743768" y="5116600"/>
+              <a:ext cx="2193323" cy="0"/>
+            </a:xfrm>
+            <a:custGeom>
+              <a:avLst/>
+              <a:pathLst>
+                <a:path w="2193323" h="0">
+                  <a:moveTo>
+                    <a:pt x="0" y="0"/>
+                  </a:moveTo>
+                  <a:lnTo>
+                    <a:pt x="2193323" y="0"/>
+                  </a:lnTo>
+                  <a:lnTo>
+                    <a:pt x="2193323" y="0"/>
+                  </a:lnTo>
+                </a:path>
+              </a:pathLst>
+            </a:custGeom>
+            <a:ln w="13550" cap="flat">
+              <a:solidFill>
+                <a:srgbClr val="EBEBEB">
+                  <a:alpha val="100000"/>
+                </a:srgbClr>
+              </a:solidFill>
+              <a:prstDash val="solid"/>
+              <a:round/>
+            </a:ln>
+          </p:spPr>
+          <p:txBody>
+            <a:bodyPr/>
+            <a:lstStyle/>
+            <a:p/>
+          </p:txBody>
+        </p:sp>
+        <p:sp>
+          <p:nvSpPr>
+            <p:cNvPr id="42" name="pl42"/>
+            <p:cNvSpPr/>
+            <p:nvPr/>
+          </p:nvSpPr>
+          <p:spPr>
+            <a:xfrm>
+              <a:off x="6743768" y="3989796"/>
+              <a:ext cx="2193323" cy="0"/>
+            </a:xfrm>
+            <a:custGeom>
+              <a:avLst/>
+              <a:pathLst>
+                <a:path w="2193323" h="0">
+                  <a:moveTo>
+                    <a:pt x="0" y="0"/>
+                  </a:moveTo>
+                  <a:lnTo>
+                    <a:pt x="2193323" y="0"/>
+                  </a:lnTo>
+                  <a:lnTo>
+                    <a:pt x="2193323" y="0"/>
+                  </a:lnTo>
+                </a:path>
+              </a:pathLst>
+            </a:custGeom>
+            <a:ln w="13550" cap="flat">
+              <a:solidFill>
+                <a:srgbClr val="EBEBEB">
+                  <a:alpha val="100000"/>
+                </a:srgbClr>
+              </a:solidFill>
+              <a:prstDash val="solid"/>
+              <a:round/>
+            </a:ln>
+          </p:spPr>
+          <p:txBody>
+            <a:bodyPr/>
+            <a:lstStyle/>
+            <a:p/>
+          </p:txBody>
+        </p:sp>
+        <p:sp>
+          <p:nvSpPr>
+            <p:cNvPr id="43" name="pl43"/>
+            <p:cNvSpPr/>
+            <p:nvPr/>
+          </p:nvSpPr>
+          <p:spPr>
+            <a:xfrm>
+              <a:off x="6743768" y="2862991"/>
+              <a:ext cx="2193323" cy="0"/>
+            </a:xfrm>
+            <a:custGeom>
+              <a:avLst/>
+              <a:pathLst>
+                <a:path w="2193323" h="0">
+                  <a:moveTo>
+                    <a:pt x="0" y="0"/>
+                  </a:moveTo>
+                  <a:lnTo>
+                    <a:pt x="2193323" y="0"/>
+                  </a:lnTo>
+                  <a:lnTo>
+                    <a:pt x="2193323" y="0"/>
+                  </a:lnTo>
+                </a:path>
+              </a:pathLst>
+            </a:custGeom>
+            <a:ln w="13550" cap="flat">
+              <a:solidFill>
+                <a:srgbClr val="EBEBEB">
+                  <a:alpha val="100000"/>
+                </a:srgbClr>
+              </a:solidFill>
+              <a:prstDash val="solid"/>
+              <a:round/>
+            </a:ln>
+          </p:spPr>
+          <p:txBody>
+            <a:bodyPr/>
+            <a:lstStyle/>
+            <a:p/>
+          </p:txBody>
+        </p:sp>
+        <p:sp>
+          <p:nvSpPr>
+            <p:cNvPr id="44" name="pl44"/>
+            <p:cNvSpPr/>
+            <p:nvPr/>
+          </p:nvSpPr>
+          <p:spPr>
+            <a:xfrm>
+              <a:off x="7057100" y="1809173"/>
+              <a:ext cx="0" cy="3464924"/>
+            </a:xfrm>
+            <a:custGeom>
+              <a:avLst/>
+              <a:pathLst>
+                <a:path w="0" h="3464924">
+                  <a:moveTo>
+                    <a:pt x="0" y="3464924"/>
+                  </a:moveTo>
+                  <a:lnTo>
+                    <a:pt x="0" y="0"/>
+                  </a:lnTo>
+                  <a:lnTo>
+                    <a:pt x="0" y="0"/>
+                  </a:lnTo>
+                </a:path>
+              </a:pathLst>
+            </a:custGeom>
+            <a:ln w="13550" cap="flat">
+              <a:solidFill>
+                <a:srgbClr val="EBEBEB">
+                  <a:alpha val="100000"/>
+                </a:srgbClr>
+              </a:solidFill>
+              <a:prstDash val="solid"/>
+              <a:round/>
+            </a:ln>
+          </p:spPr>
+          <p:txBody>
+            <a:bodyPr/>
+            <a:lstStyle/>
+            <a:p/>
+          </p:txBody>
+        </p:sp>
+        <p:sp>
+          <p:nvSpPr>
+            <p:cNvPr id="45" name="pl45"/>
+            <p:cNvSpPr/>
+            <p:nvPr/>
+          </p:nvSpPr>
+          <p:spPr>
+            <a:xfrm>
+              <a:off x="7579320" y="1809173"/>
+              <a:ext cx="0" cy="3464924"/>
+            </a:xfrm>
+            <a:custGeom>
+              <a:avLst/>
+              <a:pathLst>
+                <a:path w="0" h="3464924">
+                  <a:moveTo>
+                    <a:pt x="0" y="3464924"/>
+                  </a:moveTo>
+                  <a:lnTo>
+                    <a:pt x="0" y="0"/>
+                  </a:lnTo>
+                  <a:lnTo>
+                    <a:pt x="0" y="0"/>
+                  </a:lnTo>
+                </a:path>
+              </a:pathLst>
+            </a:custGeom>
+            <a:ln w="13550" cap="flat">
+              <a:solidFill>
+                <a:srgbClr val="EBEBEB">
+                  <a:alpha val="100000"/>
+                </a:srgbClr>
+              </a:solidFill>
+              <a:prstDash val="solid"/>
+              <a:round/>
+            </a:ln>
+          </p:spPr>
+          <p:txBody>
+            <a:bodyPr/>
+            <a:lstStyle/>
+            <a:p/>
+          </p:txBody>
+        </p:sp>
+        <p:sp>
+          <p:nvSpPr>
+            <p:cNvPr id="46" name="pl46"/>
+            <p:cNvSpPr/>
+            <p:nvPr/>
+          </p:nvSpPr>
+          <p:spPr>
+            <a:xfrm>
+              <a:off x="8101540" y="1809173"/>
+              <a:ext cx="0" cy="3464924"/>
+            </a:xfrm>
+            <a:custGeom>
+              <a:avLst/>
+              <a:pathLst>
+                <a:path w="0" h="3464924">
+                  <a:moveTo>
+                    <a:pt x="0" y="3464924"/>
+                  </a:moveTo>
+                  <a:lnTo>
+                    <a:pt x="0" y="0"/>
+                  </a:lnTo>
+                  <a:lnTo>
+                    <a:pt x="0" y="0"/>
+                  </a:lnTo>
+                </a:path>
+              </a:pathLst>
+            </a:custGeom>
+            <a:ln w="13550" cap="flat">
+              <a:solidFill>
+                <a:srgbClr val="EBEBEB">
+                  <a:alpha val="100000"/>
+                </a:srgbClr>
+              </a:solidFill>
+              <a:prstDash val="solid"/>
+              <a:round/>
+            </a:ln>
+          </p:spPr>
+          <p:txBody>
+            <a:bodyPr/>
+            <a:lstStyle/>
+            <a:p/>
+          </p:txBody>
+        </p:sp>
+        <p:sp>
+          <p:nvSpPr>
+            <p:cNvPr id="47" name="pl47"/>
+            <p:cNvSpPr/>
+            <p:nvPr/>
+          </p:nvSpPr>
+          <p:spPr>
+            <a:xfrm>
+              <a:off x="8623760" y="1809173"/>
+              <a:ext cx="0" cy="3464924"/>
+            </a:xfrm>
+            <a:custGeom>
+              <a:avLst/>
+              <a:pathLst>
+                <a:path w="0" h="3464924">
+                  <a:moveTo>
+                    <a:pt x="0" y="3464924"/>
+                  </a:moveTo>
+                  <a:lnTo>
+                    <a:pt x="0" y="0"/>
+                  </a:lnTo>
+                  <a:lnTo>
+                    <a:pt x="0" y="0"/>
+                  </a:lnTo>
+                </a:path>
+              </a:pathLst>
+            </a:custGeom>
+            <a:ln w="13550" cap="flat">
+              <a:solidFill>
+                <a:srgbClr val="EBEBEB">
+                  <a:alpha val="100000"/>
+                </a:srgbClr>
+              </a:solidFill>
+              <a:prstDash val="solid"/>
+              <a:round/>
+            </a:ln>
+          </p:spPr>
+          <p:txBody>
+            <a:bodyPr/>
+            <a:lstStyle/>
+            <a:p/>
+          </p:txBody>
+        </p:sp>
+        <p:sp>
+          <p:nvSpPr>
+            <p:cNvPr id="48" name="rc48"/>
+            <p:cNvSpPr/>
+            <p:nvPr/>
+          </p:nvSpPr>
+          <p:spPr>
+            <a:xfrm>
+              <a:off x="8388761" y="3997019"/>
+              <a:ext cx="469997" cy="1119581"/>
+            </a:xfrm>
+            <a:prstGeom prst="rect">
+              <a:avLst/>
+            </a:prstGeom>
+            <a:solidFill>
+              <a:srgbClr val="CB181D">
+                <a:alpha val="100000"/>
+              </a:srgbClr>
+            </a:solidFill>
+          </p:spPr>
+          <p:txBody>
+            <a:bodyPr/>
+            <a:lstStyle/>
+            <a:p/>
+          </p:txBody>
+        </p:sp>
+        <p:sp>
+          <p:nvSpPr>
+            <p:cNvPr id="49" name="rc49"/>
+            <p:cNvSpPr/>
+            <p:nvPr/>
+          </p:nvSpPr>
+          <p:spPr>
+            <a:xfrm>
+              <a:off x="7344321" y="2191242"/>
+              <a:ext cx="469997" cy="2925358"/>
+            </a:xfrm>
+            <a:prstGeom prst="rect">
+              <a:avLst/>
+            </a:prstGeom>
+            <a:solidFill>
+              <a:srgbClr val="FCAE91">
+                <a:alpha val="100000"/>
+              </a:srgbClr>
+            </a:solidFill>
+          </p:spPr>
+          <p:txBody>
+            <a:bodyPr/>
+            <a:lstStyle/>
+            <a:p/>
+          </p:txBody>
+        </p:sp>
+        <p:sp>
+          <p:nvSpPr>
+            <p:cNvPr id="50" name="rc50"/>
+            <p:cNvSpPr/>
+            <p:nvPr/>
+          </p:nvSpPr>
+          <p:spPr>
+            <a:xfrm>
+              <a:off x="7866541" y="4141481"/>
+              <a:ext cx="469997" cy="975119"/>
+            </a:xfrm>
+            <a:prstGeom prst="rect">
+              <a:avLst/>
+            </a:prstGeom>
+            <a:solidFill>
+              <a:srgbClr val="FB6A4A">
+                <a:alpha val="100000"/>
+              </a:srgbClr>
+            </a:solidFill>
+          </p:spPr>
+          <p:txBody>
+            <a:bodyPr/>
+            <a:lstStyle/>
+            <a:p/>
+          </p:txBody>
+        </p:sp>
+        <p:sp>
+          <p:nvSpPr>
+            <p:cNvPr id="51" name="rc51"/>
+            <p:cNvSpPr/>
+            <p:nvPr/>
+          </p:nvSpPr>
+          <p:spPr>
+            <a:xfrm>
+              <a:off x="6822101" y="4502636"/>
+              <a:ext cx="469997" cy="613964"/>
+            </a:xfrm>
+            <a:prstGeom prst="rect">
+              <a:avLst/>
+            </a:prstGeom>
+            <a:solidFill>
+              <a:srgbClr val="FEE5D9">
+                <a:alpha val="100000"/>
+              </a:srgbClr>
+            </a:solidFill>
+          </p:spPr>
+          <p:txBody>
+            <a:bodyPr/>
+            <a:lstStyle/>
+            <a:p/>
+          </p:txBody>
+        </p:sp>
+        <p:sp>
+          <p:nvSpPr>
+            <p:cNvPr id="52" name="rc52"/>
+            <p:cNvSpPr/>
+            <p:nvPr/>
+          </p:nvSpPr>
+          <p:spPr>
+            <a:xfrm>
+              <a:off x="6743768" y="1809173"/>
+              <a:ext cx="2193323" cy="3464924"/>
+            </a:xfrm>
+            <a:prstGeom prst="rect">
+              <a:avLst/>
+            </a:prstGeom>
+            <a:ln w="13550" cap="rnd">
+              <a:solidFill>
+                <a:srgbClr val="333333">
+                  <a:alpha val="100000"/>
+                </a:srgbClr>
+              </a:solidFill>
+              <a:prstDash val="solid"/>
+              <a:round/>
+            </a:ln>
+          </p:spPr>
+          <p:txBody>
+            <a:bodyPr/>
+            <a:lstStyle/>
+            <a:p/>
+          </p:txBody>
+        </p:sp>
+        <p:sp>
+          <p:nvSpPr>
+            <p:cNvPr id="53" name="rc53"/>
+            <p:cNvSpPr/>
+            <p:nvPr/>
+          </p:nvSpPr>
+          <p:spPr>
+            <a:xfrm>
+              <a:off x="2217943" y="1590617"/>
+              <a:ext cx="2193323" cy="218555"/>
+            </a:xfrm>
+            <a:prstGeom prst="rect">
+              <a:avLst/>
+            </a:prstGeom>
+            <a:solidFill>
+              <a:srgbClr val="D9D9D9">
+                <a:alpha val="100000"/>
+              </a:srgbClr>
+            </a:solidFill>
+            <a:ln w="13550" cap="rnd">
+              <a:solidFill>
+                <a:srgbClr val="333333">
+                  <a:alpha val="100000"/>
+                </a:srgbClr>
+              </a:solidFill>
+              <a:prstDash val="solid"/>
+              <a:round/>
+            </a:ln>
+          </p:spPr>
+          <p:txBody>
+            <a:bodyPr/>
+            <a:lstStyle/>
+            <a:p/>
+          </p:txBody>
+        </p:sp>
+        <p:sp>
+          <p:nvSpPr>
+            <p:cNvPr id="54" name="tx54"/>
+            <p:cNvSpPr/>
+            <p:nvPr/>
+          </p:nvSpPr>
+          <p:spPr>
+            <a:xfrm>
+              <a:off x="3105055" y="1670045"/>
+              <a:ext cx="419100" cy="69850"/>
             </a:xfrm>
             <a:prstGeom prst="rect">
               <a:avLst/>
@@ -4234,30 +5021,65 @@
                 </a:spcAft>
               </a:pPr>
               <a:r>
-                <a:rPr sz="880" b="1">
+                <a:rPr sz="880">
                   <a:solidFill>
-                    <a:srgbClr val="4D4D4D">
+                    <a:srgbClr val="1A1A1A">
                       <a:alpha val="100000"/>
                     </a:srgbClr>
                   </a:solidFill>
                   <a:latin typeface="Arial"/>
                   <a:cs typeface="Arial"/>
                 </a:rPr>
-                <a:t>5</a:t>
+                <a:t>基础研究者</a:t>
               </a:r>
             </a:p>
           </p:txBody>
         </p:sp>
         <p:sp>
           <p:nvSpPr>
-            <p:cNvPr id="32" name="tx32"/>
-            <p:cNvSpPr/>
-            <p:nvPr/>
-          </p:nvSpPr>
-          <p:spPr>
-            <a:xfrm>
-              <a:off x="1926599" y="4352966"/>
-              <a:ext cx="62155" cy="80327"/>
+            <p:cNvPr id="55" name="rc55"/>
+            <p:cNvSpPr/>
+            <p:nvPr/>
+          </p:nvSpPr>
+          <p:spPr>
+            <a:xfrm>
+              <a:off x="4480856" y="1590617"/>
+              <a:ext cx="2193323" cy="218555"/>
+            </a:xfrm>
+            <a:prstGeom prst="rect">
+              <a:avLst/>
+            </a:prstGeom>
+            <a:solidFill>
+              <a:srgbClr val="D9D9D9">
+                <a:alpha val="100000"/>
+              </a:srgbClr>
+            </a:solidFill>
+            <a:ln w="13550" cap="rnd">
+              <a:solidFill>
+                <a:srgbClr val="333333">
+                  <a:alpha val="100000"/>
+                </a:srgbClr>
+              </a:solidFill>
+              <a:prstDash val="solid"/>
+              <a:round/>
+            </a:ln>
+          </p:spPr>
+          <p:txBody>
+            <a:bodyPr/>
+            <a:lstStyle/>
+            <a:p/>
+          </p:txBody>
+        </p:sp>
+        <p:sp>
+          <p:nvSpPr>
+            <p:cNvPr id="56" name="tx56"/>
+            <p:cNvSpPr/>
+            <p:nvPr/>
+          </p:nvSpPr>
+          <p:spPr>
+            <a:xfrm>
+              <a:off x="5409878" y="1670045"/>
+              <a:ext cx="335280" cy="69850"/>
             </a:xfrm>
             <a:prstGeom prst="rect">
               <a:avLst/>
@@ -4280,30 +5102,65 @@
                 </a:spcAft>
               </a:pPr>
               <a:r>
-                <a:rPr sz="880" b="1">
+                <a:rPr sz="880">
                   <a:solidFill>
-                    <a:srgbClr val="4D4D4D">
+                    <a:srgbClr val="1A1A1A">
                       <a:alpha val="100000"/>
                     </a:srgbClr>
                   </a:solidFill>
                   <a:latin typeface="Arial"/>
                   <a:cs typeface="Arial"/>
                 </a:rPr>
-                <a:t>4</a:t>
+                <a:t>临床医生</a:t>
               </a:r>
             </a:p>
           </p:txBody>
         </p:sp>
         <p:sp>
           <p:nvSpPr>
-            <p:cNvPr id="33" name="tx33"/>
-            <p:cNvSpPr/>
-            <p:nvPr/>
-          </p:nvSpPr>
-          <p:spPr>
-            <a:xfrm>
-              <a:off x="1926599" y="3573080"/>
-              <a:ext cx="62155" cy="81691"/>
+            <p:cNvPr id="57" name="rc57"/>
+            <p:cNvSpPr/>
+            <p:nvPr/>
+          </p:nvSpPr>
+          <p:spPr>
+            <a:xfrm>
+              <a:off x="6743768" y="1590617"/>
+              <a:ext cx="2193323" cy="218555"/>
+            </a:xfrm>
+            <a:prstGeom prst="rect">
+              <a:avLst/>
+            </a:prstGeom>
+            <a:solidFill>
+              <a:srgbClr val="D9D9D9">
+                <a:alpha val="100000"/>
+              </a:srgbClr>
+            </a:solidFill>
+            <a:ln w="13550" cap="rnd">
+              <a:solidFill>
+                <a:srgbClr val="333333">
+                  <a:alpha val="100000"/>
+                </a:srgbClr>
+              </a:solidFill>
+              <a:prstDash val="solid"/>
+              <a:round/>
+            </a:ln>
+          </p:spPr>
+          <p:txBody>
+            <a:bodyPr/>
+            <a:lstStyle/>
+            <a:p/>
+          </p:txBody>
+        </p:sp>
+        <p:sp>
+          <p:nvSpPr>
+            <p:cNvPr id="58" name="tx58"/>
+            <p:cNvSpPr/>
+            <p:nvPr/>
+          </p:nvSpPr>
+          <p:spPr>
+            <a:xfrm>
+              <a:off x="7672790" y="1670045"/>
+              <a:ext cx="335280" cy="69850"/>
             </a:xfrm>
             <a:prstGeom prst="rect">
               <a:avLst/>
@@ -4326,139 +5183,47 @@
                 </a:spcAft>
               </a:pPr>
               <a:r>
-                <a:rPr sz="880" b="1">
+                <a:rPr sz="880">
                   <a:solidFill>
-                    <a:srgbClr val="4D4D4D">
+                    <a:srgbClr val="1A1A1A">
                       <a:alpha val="100000"/>
                     </a:srgbClr>
                   </a:solidFill>
                   <a:latin typeface="Arial"/>
                   <a:cs typeface="Arial"/>
                 </a:rPr>
-                <a:t>3</a:t>
+                <a:t>企业人员</a:t>
               </a:r>
             </a:p>
           </p:txBody>
         </p:sp>
         <p:sp>
           <p:nvSpPr>
-            <p:cNvPr id="34" name="tx34"/>
-            <p:cNvSpPr/>
-            <p:nvPr/>
-          </p:nvSpPr>
-          <p:spPr>
-            <a:xfrm>
-              <a:off x="1926599" y="2795923"/>
-              <a:ext cx="62155" cy="80327"/>
-            </a:xfrm>
-            <a:prstGeom prst="rect">
-              <a:avLst/>
-            </a:prstGeom>
-            <a:noFill/>
-          </p:spPr>
-          <p:txBody>
-            <a:bodyPr lIns="0" rIns="0" tIns="0" bIns="0" anchorCtr="1" anchor="ctr" wrap="none"/>
-            <a:lstStyle/>
-            <a:p>
-              <a:pPr algn="l" marL="0" marR="0" indent="0">
-                <a:lnSpc>
-                  <a:spcPts val="880"/>
-                </a:lnSpc>
-                <a:spcBef>
-                  <a:spcPts val="0"/>
-                </a:spcBef>
-                <a:spcAft>
-                  <a:spcPts val="0"/>
-                </a:spcAft>
-              </a:pPr>
-              <a:r>
-                <a:rPr sz="880" b="1">
-                  <a:solidFill>
-                    <a:srgbClr val="4D4D4D">
-                      <a:alpha val="100000"/>
-                    </a:srgbClr>
-                  </a:solidFill>
-                  <a:latin typeface="Arial"/>
-                  <a:cs typeface="Arial"/>
-                </a:rPr>
-                <a:t>2</a:t>
-              </a:r>
-            </a:p>
-          </p:txBody>
-        </p:sp>
-        <p:sp>
-          <p:nvSpPr>
-            <p:cNvPr id="35" name="tx35"/>
-            <p:cNvSpPr/>
-            <p:nvPr/>
-          </p:nvSpPr>
-          <p:spPr>
-            <a:xfrm>
-              <a:off x="1926599" y="2017402"/>
-              <a:ext cx="62155" cy="80327"/>
-            </a:xfrm>
-            <a:prstGeom prst="rect">
-              <a:avLst/>
-            </a:prstGeom>
-            <a:noFill/>
-          </p:spPr>
-          <p:txBody>
-            <a:bodyPr lIns="0" rIns="0" tIns="0" bIns="0" anchorCtr="1" anchor="ctr" wrap="none"/>
-            <a:lstStyle/>
-            <a:p>
-              <a:pPr algn="l" marL="0" marR="0" indent="0">
-                <a:lnSpc>
-                  <a:spcPts val="880"/>
-                </a:lnSpc>
-                <a:spcBef>
-                  <a:spcPts val="0"/>
-                </a:spcBef>
-                <a:spcAft>
-                  <a:spcPts val="0"/>
-                </a:spcAft>
-              </a:pPr>
-              <a:r>
-                <a:rPr sz="880" b="1">
-                  <a:solidFill>
-                    <a:srgbClr val="4D4D4D">
-                      <a:alpha val="100000"/>
-                    </a:srgbClr>
-                  </a:solidFill>
-                  <a:latin typeface="Arial"/>
-                  <a:cs typeface="Arial"/>
-                </a:rPr>
-                <a:t>1</a:t>
-              </a:r>
-            </a:p>
-          </p:txBody>
-        </p:sp>
-        <p:sp>
-          <p:nvSpPr>
-            <p:cNvPr id="36" name="pl36"/>
-            <p:cNvSpPr/>
-            <p:nvPr/>
-          </p:nvSpPr>
-          <p:spPr>
-            <a:xfrm>
-              <a:off x="1988754" y="5171815"/>
-              <a:ext cx="34794" cy="0"/>
+            <p:cNvPr id="59" name="pl59"/>
+            <p:cNvSpPr/>
+            <p:nvPr/>
+          </p:nvSpPr>
+          <p:spPr>
+            <a:xfrm>
+              <a:off x="2531275" y="5274097"/>
+              <a:ext cx="0" cy="34794"/>
             </a:xfrm>
             <a:custGeom>
               <a:avLst/>
               <a:pathLst>
-                <a:path w="34794" h="0">
+                <a:path w="0" h="34794">
                   <a:moveTo>
+                    <a:pt x="0" y="34794"/>
+                  </a:moveTo>
+                  <a:lnTo>
                     <a:pt x="0" y="0"/>
-                  </a:moveTo>
-                  <a:lnTo>
-                    <a:pt x="34794" y="0"/>
                   </a:lnTo>
                 </a:path>
               </a:pathLst>
             </a:custGeom>
-            <a:ln w="6775" cap="flat">
+            <a:ln w="13550" cap="flat">
               <a:solidFill>
-                <a:srgbClr val="B3B3B3">
+                <a:srgbClr val="333333">
                   <a:alpha val="100000"/>
                 </a:srgbClr>
               </a:solidFill>
@@ -4474,31 +5239,31 @@
         </p:sp>
         <p:sp>
           <p:nvSpPr>
-            <p:cNvPr id="37" name="pl37"/>
-            <p:cNvSpPr/>
-            <p:nvPr/>
-          </p:nvSpPr>
-          <p:spPr>
-            <a:xfrm>
-              <a:off x="1988754" y="4393293"/>
-              <a:ext cx="34794" cy="0"/>
+            <p:cNvPr id="60" name="pl60"/>
+            <p:cNvSpPr/>
+            <p:nvPr/>
+          </p:nvSpPr>
+          <p:spPr>
+            <a:xfrm>
+              <a:off x="3053495" y="5274097"/>
+              <a:ext cx="0" cy="34794"/>
             </a:xfrm>
             <a:custGeom>
               <a:avLst/>
               <a:pathLst>
-                <a:path w="34794" h="0">
+                <a:path w="0" h="34794">
                   <a:moveTo>
+                    <a:pt x="0" y="34794"/>
+                  </a:moveTo>
+                  <a:lnTo>
                     <a:pt x="0" y="0"/>
-                  </a:moveTo>
-                  <a:lnTo>
-                    <a:pt x="34794" y="0"/>
                   </a:lnTo>
                 </a:path>
               </a:pathLst>
             </a:custGeom>
-            <a:ln w="6775" cap="flat">
+            <a:ln w="13550" cap="flat">
               <a:solidFill>
-                <a:srgbClr val="B3B3B3">
+                <a:srgbClr val="333333">
                   <a:alpha val="100000"/>
                 </a:srgbClr>
               </a:solidFill>
@@ -4514,31 +5279,31 @@
         </p:sp>
         <p:sp>
           <p:nvSpPr>
-            <p:cNvPr id="38" name="pl38"/>
-            <p:cNvSpPr/>
-            <p:nvPr/>
-          </p:nvSpPr>
-          <p:spPr>
-            <a:xfrm>
-              <a:off x="1988754" y="3614772"/>
-              <a:ext cx="34794" cy="0"/>
+            <p:cNvPr id="61" name="pl61"/>
+            <p:cNvSpPr/>
+            <p:nvPr/>
+          </p:nvSpPr>
+          <p:spPr>
+            <a:xfrm>
+              <a:off x="3575715" y="5274097"/>
+              <a:ext cx="0" cy="34794"/>
             </a:xfrm>
             <a:custGeom>
               <a:avLst/>
               <a:pathLst>
-                <a:path w="34794" h="0">
+                <a:path w="0" h="34794">
                   <a:moveTo>
+                    <a:pt x="0" y="34794"/>
+                  </a:moveTo>
+                  <a:lnTo>
                     <a:pt x="0" y="0"/>
-                  </a:moveTo>
-                  <a:lnTo>
-                    <a:pt x="34794" y="0"/>
                   </a:lnTo>
                 </a:path>
               </a:pathLst>
             </a:custGeom>
-            <a:ln w="6775" cap="flat">
+            <a:ln w="13550" cap="flat">
               <a:solidFill>
-                <a:srgbClr val="B3B3B3">
+                <a:srgbClr val="333333">
                   <a:alpha val="100000"/>
                 </a:srgbClr>
               </a:solidFill>
@@ -4554,31 +5319,31 @@
         </p:sp>
         <p:sp>
           <p:nvSpPr>
-            <p:cNvPr id="39" name="pl39"/>
-            <p:cNvSpPr/>
-            <p:nvPr/>
-          </p:nvSpPr>
-          <p:spPr>
-            <a:xfrm>
-              <a:off x="1988754" y="2836251"/>
-              <a:ext cx="34794" cy="0"/>
+            <p:cNvPr id="62" name="pl62"/>
+            <p:cNvSpPr/>
+            <p:nvPr/>
+          </p:nvSpPr>
+          <p:spPr>
+            <a:xfrm>
+              <a:off x="4097935" y="5274097"/>
+              <a:ext cx="0" cy="34794"/>
             </a:xfrm>
             <a:custGeom>
               <a:avLst/>
               <a:pathLst>
-                <a:path w="34794" h="0">
+                <a:path w="0" h="34794">
                   <a:moveTo>
+                    <a:pt x="0" y="34794"/>
+                  </a:moveTo>
+                  <a:lnTo>
                     <a:pt x="0" y="0"/>
-                  </a:moveTo>
-                  <a:lnTo>
-                    <a:pt x="34794" y="0"/>
                   </a:lnTo>
                 </a:path>
               </a:pathLst>
             </a:custGeom>
-            <a:ln w="6775" cap="flat">
+            <a:ln w="13550" cap="flat">
               <a:solidFill>
-                <a:srgbClr val="B3B3B3">
+                <a:srgbClr val="333333">
                   <a:alpha val="100000"/>
                 </a:srgbClr>
               </a:solidFill>
@@ -4594,31 +5359,31 @@
         </p:sp>
         <p:sp>
           <p:nvSpPr>
-            <p:cNvPr id="40" name="pl40"/>
-            <p:cNvSpPr/>
-            <p:nvPr/>
-          </p:nvSpPr>
-          <p:spPr>
-            <a:xfrm>
-              <a:off x="1988754" y="2057730"/>
-              <a:ext cx="34794" cy="0"/>
+            <p:cNvPr id="63" name="pl63"/>
+            <p:cNvSpPr/>
+            <p:nvPr/>
+          </p:nvSpPr>
+          <p:spPr>
+            <a:xfrm>
+              <a:off x="4794188" y="5274097"/>
+              <a:ext cx="0" cy="34794"/>
             </a:xfrm>
             <a:custGeom>
               <a:avLst/>
               <a:pathLst>
-                <a:path w="34794" h="0">
+                <a:path w="0" h="34794">
                   <a:moveTo>
+                    <a:pt x="0" y="34794"/>
+                  </a:moveTo>
+                  <a:lnTo>
                     <a:pt x="0" y="0"/>
-                  </a:moveTo>
-                  <a:lnTo>
-                    <a:pt x="34794" y="0"/>
                   </a:lnTo>
                 </a:path>
               </a:pathLst>
             </a:custGeom>
-            <a:ln w="6775" cap="flat">
+            <a:ln w="13550" cap="flat">
               <a:solidFill>
-                <a:srgbClr val="B3B3B3">
+                <a:srgbClr val="333333">
                   <a:alpha val="100000"/>
                 </a:srgbClr>
               </a:solidFill>
@@ -4634,13 +5399,13 @@
         </p:sp>
         <p:sp>
           <p:nvSpPr>
-            <p:cNvPr id="41" name="pl41"/>
-            <p:cNvSpPr/>
-            <p:nvPr/>
-          </p:nvSpPr>
-          <p:spPr>
-            <a:xfrm>
-              <a:off x="2023549" y="5638927"/>
+            <p:cNvPr id="64" name="pl64"/>
+            <p:cNvSpPr/>
+            <p:nvPr/>
+          </p:nvSpPr>
+          <p:spPr>
+            <a:xfrm>
+              <a:off x="5316408" y="5274097"/>
               <a:ext cx="0" cy="34794"/>
             </a:xfrm>
             <a:custGeom>
@@ -4656,9 +5421,9 @@
                 </a:path>
               </a:pathLst>
             </a:custGeom>
-            <a:ln w="6775" cap="flat">
+            <a:ln w="13550" cap="flat">
               <a:solidFill>
-                <a:srgbClr val="B3B3B3">
+                <a:srgbClr val="333333">
                   <a:alpha val="100000"/>
                 </a:srgbClr>
               </a:solidFill>
@@ -4674,13 +5439,13 @@
         </p:sp>
         <p:sp>
           <p:nvSpPr>
-            <p:cNvPr id="42" name="pl42"/>
-            <p:cNvSpPr/>
-            <p:nvPr/>
-          </p:nvSpPr>
-          <p:spPr>
-            <a:xfrm>
-              <a:off x="3641978" y="5638927"/>
+            <p:cNvPr id="65" name="pl65"/>
+            <p:cNvSpPr/>
+            <p:nvPr/>
+          </p:nvSpPr>
+          <p:spPr>
+            <a:xfrm>
+              <a:off x="5838627" y="5274097"/>
               <a:ext cx="0" cy="34794"/>
             </a:xfrm>
             <a:custGeom>
@@ -4696,9 +5461,9 @@
                 </a:path>
               </a:pathLst>
             </a:custGeom>
-            <a:ln w="6775" cap="flat">
+            <a:ln w="13550" cap="flat">
               <a:solidFill>
-                <a:srgbClr val="B3B3B3">
+                <a:srgbClr val="333333">
                   <a:alpha val="100000"/>
                 </a:srgbClr>
               </a:solidFill>
@@ -4714,13 +5479,13 @@
         </p:sp>
         <p:sp>
           <p:nvSpPr>
-            <p:cNvPr id="43" name="pl43"/>
-            <p:cNvSpPr/>
-            <p:nvPr/>
-          </p:nvSpPr>
-          <p:spPr>
-            <a:xfrm>
-              <a:off x="5260408" y="5638927"/>
+            <p:cNvPr id="66" name="pl66"/>
+            <p:cNvSpPr/>
+            <p:nvPr/>
+          </p:nvSpPr>
+          <p:spPr>
+            <a:xfrm>
+              <a:off x="6360847" y="5274097"/>
               <a:ext cx="0" cy="34794"/>
             </a:xfrm>
             <a:custGeom>
@@ -4736,9 +5501,9 @@
                 </a:path>
               </a:pathLst>
             </a:custGeom>
-            <a:ln w="6775" cap="flat">
+            <a:ln w="13550" cap="flat">
               <a:solidFill>
-                <a:srgbClr val="B3B3B3">
+                <a:srgbClr val="333333">
                   <a:alpha val="100000"/>
                 </a:srgbClr>
               </a:solidFill>
@@ -4754,13 +5519,13 @@
         </p:sp>
         <p:sp>
           <p:nvSpPr>
-            <p:cNvPr id="44" name="pl44"/>
-            <p:cNvSpPr/>
-            <p:nvPr/>
-          </p:nvSpPr>
-          <p:spPr>
-            <a:xfrm>
-              <a:off x="6878838" y="5638927"/>
+            <p:cNvPr id="67" name="pl67"/>
+            <p:cNvSpPr/>
+            <p:nvPr/>
+          </p:nvSpPr>
+          <p:spPr>
+            <a:xfrm>
+              <a:off x="7057100" y="5274097"/>
               <a:ext cx="0" cy="34794"/>
             </a:xfrm>
             <a:custGeom>
@@ -4776,9 +5541,9 @@
                 </a:path>
               </a:pathLst>
             </a:custGeom>
-            <a:ln w="6775" cap="flat">
+            <a:ln w="13550" cap="flat">
               <a:solidFill>
-                <a:srgbClr val="B3B3B3">
+                <a:srgbClr val="333333">
                   <a:alpha val="100000"/>
                 </a:srgbClr>
               </a:solidFill>
@@ -4794,13 +5559,13 @@
         </p:sp>
         <p:sp>
           <p:nvSpPr>
-            <p:cNvPr id="45" name="pl45"/>
-            <p:cNvSpPr/>
-            <p:nvPr/>
-          </p:nvSpPr>
-          <p:spPr>
-            <a:xfrm>
-              <a:off x="8497268" y="5638927"/>
+            <p:cNvPr id="68" name="pl68"/>
+            <p:cNvSpPr/>
+            <p:nvPr/>
+          </p:nvSpPr>
+          <p:spPr>
+            <a:xfrm>
+              <a:off x="7579320" y="5274097"/>
               <a:ext cx="0" cy="34794"/>
             </a:xfrm>
             <a:custGeom>
@@ -4816,9 +5581,9 @@
                 </a:path>
               </a:pathLst>
             </a:custGeom>
-            <a:ln w="6775" cap="flat">
+            <a:ln w="13550" cap="flat">
               <a:solidFill>
-                <a:srgbClr val="B3B3B3">
+                <a:srgbClr val="333333">
                   <a:alpha val="100000"/>
                 </a:srgbClr>
               </a:solidFill>
@@ -4834,14 +5599,94 @@
         </p:sp>
         <p:sp>
           <p:nvSpPr>
-            <p:cNvPr id="46" name="tx46"/>
-            <p:cNvSpPr/>
-            <p:nvPr/>
-          </p:nvSpPr>
-          <p:spPr>
-            <a:xfrm>
-              <a:off x="1992471" y="5699866"/>
-              <a:ext cx="62155" cy="81691"/>
+            <p:cNvPr id="69" name="pl69"/>
+            <p:cNvSpPr/>
+            <p:nvPr/>
+          </p:nvSpPr>
+          <p:spPr>
+            <a:xfrm>
+              <a:off x="8101540" y="5274097"/>
+              <a:ext cx="0" cy="34794"/>
+            </a:xfrm>
+            <a:custGeom>
+              <a:avLst/>
+              <a:pathLst>
+                <a:path w="0" h="34794">
+                  <a:moveTo>
+                    <a:pt x="0" y="34794"/>
+                  </a:moveTo>
+                  <a:lnTo>
+                    <a:pt x="0" y="0"/>
+                  </a:lnTo>
+                </a:path>
+              </a:pathLst>
+            </a:custGeom>
+            <a:ln w="13550" cap="flat">
+              <a:solidFill>
+                <a:srgbClr val="333333">
+                  <a:alpha val="100000"/>
+                </a:srgbClr>
+              </a:solidFill>
+              <a:prstDash val="solid"/>
+              <a:round/>
+            </a:ln>
+          </p:spPr>
+          <p:txBody>
+            <a:bodyPr/>
+            <a:lstStyle/>
+            <a:p/>
+          </p:txBody>
+        </p:sp>
+        <p:sp>
+          <p:nvSpPr>
+            <p:cNvPr id="70" name="pl70"/>
+            <p:cNvSpPr/>
+            <p:nvPr/>
+          </p:nvSpPr>
+          <p:spPr>
+            <a:xfrm>
+              <a:off x="8623760" y="5274097"/>
+              <a:ext cx="0" cy="34794"/>
+            </a:xfrm>
+            <a:custGeom>
+              <a:avLst/>
+              <a:pathLst>
+                <a:path w="0" h="34794">
+                  <a:moveTo>
+                    <a:pt x="0" y="34794"/>
+                  </a:moveTo>
+                  <a:lnTo>
+                    <a:pt x="0" y="0"/>
+                  </a:lnTo>
+                </a:path>
+              </a:pathLst>
+            </a:custGeom>
+            <a:ln w="13550" cap="flat">
+              <a:solidFill>
+                <a:srgbClr val="333333">
+                  <a:alpha val="100000"/>
+                </a:srgbClr>
+              </a:solidFill>
+              <a:prstDash val="solid"/>
+              <a:round/>
+            </a:ln>
+          </p:spPr>
+          <p:txBody>
+            <a:bodyPr/>
+            <a:lstStyle/>
+            <a:p/>
+          </p:txBody>
+        </p:sp>
+        <p:sp>
+          <p:nvSpPr>
+            <p:cNvPr id="71" name="tx71"/>
+            <p:cNvSpPr/>
+            <p:nvPr/>
+          </p:nvSpPr>
+          <p:spPr>
+            <a:xfrm>
+              <a:off x="1993785" y="5072289"/>
+              <a:ext cx="161528" cy="84311"/>
             </a:xfrm>
             <a:prstGeom prst="rect">
               <a:avLst/>
@@ -4873,21 +5718,21 @@
                   <a:latin typeface="Arial"/>
                   <a:cs typeface="Arial"/>
                 </a:rPr>
-                <a:t>0</a:t>
+                <a:t>0%</a:t>
               </a:r>
             </a:p>
           </p:txBody>
         </p:sp>
         <p:sp>
           <p:nvSpPr>
-            <p:cNvPr id="47" name="tx47"/>
-            <p:cNvSpPr/>
-            <p:nvPr/>
-          </p:nvSpPr>
-          <p:spPr>
-            <a:xfrm>
-              <a:off x="3548745" y="5699866"/>
-              <a:ext cx="186466" cy="81691"/>
+            <p:cNvPr id="72" name="tx72"/>
+            <p:cNvSpPr/>
+            <p:nvPr/>
+          </p:nvSpPr>
+          <p:spPr>
+            <a:xfrm>
+              <a:off x="1931629" y="3945485"/>
+              <a:ext cx="223683" cy="84311"/>
             </a:xfrm>
             <a:prstGeom prst="rect">
               <a:avLst/>
@@ -4919,21 +5764,21 @@
                   <a:latin typeface="Arial"/>
                   <a:cs typeface="Arial"/>
                 </a:rPr>
-                <a:t>500</a:t>
+                <a:t>20%</a:t>
               </a:r>
             </a:p>
           </p:txBody>
         </p:sp>
         <p:sp>
           <p:nvSpPr>
-            <p:cNvPr id="48" name="tx48"/>
-            <p:cNvSpPr/>
-            <p:nvPr/>
-          </p:nvSpPr>
-          <p:spPr>
-            <a:xfrm>
-              <a:off x="5136097" y="5699866"/>
-              <a:ext cx="248622" cy="81691"/>
+            <p:cNvPr id="73" name="tx73"/>
+            <p:cNvSpPr/>
+            <p:nvPr/>
+          </p:nvSpPr>
+          <p:spPr>
+            <a:xfrm>
+              <a:off x="1931629" y="2818680"/>
+              <a:ext cx="223683" cy="84311"/>
             </a:xfrm>
             <a:prstGeom prst="rect">
               <a:avLst/>
@@ -4965,21 +5810,375 @@
                   <a:latin typeface="Arial"/>
                   <a:cs typeface="Arial"/>
                 </a:rPr>
-                <a:t>1000</a:t>
+                <a:t>40%</a:t>
               </a:r>
             </a:p>
           </p:txBody>
         </p:sp>
         <p:sp>
           <p:nvSpPr>
-            <p:cNvPr id="49" name="tx49"/>
-            <p:cNvSpPr/>
-            <p:nvPr/>
-          </p:nvSpPr>
-          <p:spPr>
-            <a:xfrm>
-              <a:off x="6754527" y="5699866"/>
-              <a:ext cx="248622" cy="81691"/>
+            <p:cNvPr id="74" name="pl74"/>
+            <p:cNvSpPr/>
+            <p:nvPr/>
+          </p:nvSpPr>
+          <p:spPr>
+            <a:xfrm>
+              <a:off x="2183149" y="5116600"/>
+              <a:ext cx="34794" cy="0"/>
+            </a:xfrm>
+            <a:custGeom>
+              <a:avLst/>
+              <a:pathLst>
+                <a:path w="34794" h="0">
+                  <a:moveTo>
+                    <a:pt x="0" y="0"/>
+                  </a:moveTo>
+                  <a:lnTo>
+                    <a:pt x="34794" y="0"/>
+                  </a:lnTo>
+                </a:path>
+              </a:pathLst>
+            </a:custGeom>
+            <a:ln w="13550" cap="flat">
+              <a:solidFill>
+                <a:srgbClr val="333333">
+                  <a:alpha val="100000"/>
+                </a:srgbClr>
+              </a:solidFill>
+              <a:prstDash val="solid"/>
+              <a:round/>
+            </a:ln>
+          </p:spPr>
+          <p:txBody>
+            <a:bodyPr/>
+            <a:lstStyle/>
+            <a:p/>
+          </p:txBody>
+        </p:sp>
+        <p:sp>
+          <p:nvSpPr>
+            <p:cNvPr id="75" name="pl75"/>
+            <p:cNvSpPr/>
+            <p:nvPr/>
+          </p:nvSpPr>
+          <p:spPr>
+            <a:xfrm>
+              <a:off x="2183149" y="3989796"/>
+              <a:ext cx="34794" cy="0"/>
+            </a:xfrm>
+            <a:custGeom>
+              <a:avLst/>
+              <a:pathLst>
+                <a:path w="34794" h="0">
+                  <a:moveTo>
+                    <a:pt x="0" y="0"/>
+                  </a:moveTo>
+                  <a:lnTo>
+                    <a:pt x="34794" y="0"/>
+                  </a:lnTo>
+                </a:path>
+              </a:pathLst>
+            </a:custGeom>
+            <a:ln w="13550" cap="flat">
+              <a:solidFill>
+                <a:srgbClr val="333333">
+                  <a:alpha val="100000"/>
+                </a:srgbClr>
+              </a:solidFill>
+              <a:prstDash val="solid"/>
+              <a:round/>
+            </a:ln>
+          </p:spPr>
+          <p:txBody>
+            <a:bodyPr/>
+            <a:lstStyle/>
+            <a:p/>
+          </p:txBody>
+        </p:sp>
+        <p:sp>
+          <p:nvSpPr>
+            <p:cNvPr id="76" name="pl76"/>
+            <p:cNvSpPr/>
+            <p:nvPr/>
+          </p:nvSpPr>
+          <p:spPr>
+            <a:xfrm>
+              <a:off x="2183149" y="2862991"/>
+              <a:ext cx="34794" cy="0"/>
+            </a:xfrm>
+            <a:custGeom>
+              <a:avLst/>
+              <a:pathLst>
+                <a:path w="34794" h="0">
+                  <a:moveTo>
+                    <a:pt x="0" y="0"/>
+                  </a:moveTo>
+                  <a:lnTo>
+                    <a:pt x="34794" y="0"/>
+                  </a:lnTo>
+                </a:path>
+              </a:pathLst>
+            </a:custGeom>
+            <a:ln w="13550" cap="flat">
+              <a:solidFill>
+                <a:srgbClr val="333333">
+                  <a:alpha val="100000"/>
+                </a:srgbClr>
+              </a:solidFill>
+              <a:prstDash val="solid"/>
+              <a:round/>
+            </a:ln>
+          </p:spPr>
+          <p:txBody>
+            <a:bodyPr/>
+            <a:lstStyle/>
+            <a:p/>
+          </p:txBody>
+        </p:sp>
+        <p:sp>
+          <p:nvSpPr>
+            <p:cNvPr id="77" name="rc77"/>
+            <p:cNvSpPr/>
+            <p:nvPr/>
+          </p:nvSpPr>
+          <p:spPr>
+            <a:xfrm>
+              <a:off x="4134464" y="5613598"/>
+              <a:ext cx="2886107" cy="358634"/>
+            </a:xfrm>
+            <a:prstGeom prst="rect">
+              <a:avLst/>
+            </a:prstGeom>
+            <a:solidFill>
+              <a:srgbClr val="FFFFFF">
+                <a:alpha val="100000"/>
+              </a:srgbClr>
+            </a:solidFill>
+          </p:spPr>
+          <p:txBody>
+            <a:bodyPr/>
+            <a:lstStyle/>
+            <a:p/>
+          </p:txBody>
+        </p:sp>
+        <p:sp>
+          <p:nvSpPr>
+            <p:cNvPr id="78" name="rc78"/>
+            <p:cNvSpPr/>
+            <p:nvPr/>
+          </p:nvSpPr>
+          <p:spPr>
+            <a:xfrm>
+              <a:off x="4273642" y="5683187"/>
+              <a:ext cx="219456" cy="219455"/>
+            </a:xfrm>
+            <a:prstGeom prst="rect">
+              <a:avLst/>
+            </a:prstGeom>
+            <a:solidFill>
+              <a:srgbClr val="FFFFFF">
+                <a:alpha val="100000"/>
+              </a:srgbClr>
+            </a:solidFill>
+          </p:spPr>
+          <p:txBody>
+            <a:bodyPr/>
+            <a:lstStyle/>
+            <a:p/>
+          </p:txBody>
+        </p:sp>
+        <p:sp>
+          <p:nvSpPr>
+            <p:cNvPr id="79" name="rc79"/>
+            <p:cNvSpPr/>
+            <p:nvPr/>
+          </p:nvSpPr>
+          <p:spPr>
+            <a:xfrm>
+              <a:off x="4282642" y="5692187"/>
+              <a:ext cx="201455" cy="201456"/>
+            </a:xfrm>
+            <a:prstGeom prst="rect">
+              <a:avLst/>
+            </a:prstGeom>
+            <a:solidFill>
+              <a:srgbClr val="FEE5D9">
+                <a:alpha val="100000"/>
+              </a:srgbClr>
+            </a:solidFill>
+          </p:spPr>
+          <p:txBody>
+            <a:bodyPr/>
+            <a:lstStyle/>
+            <a:p/>
+          </p:txBody>
+        </p:sp>
+        <p:sp>
+          <p:nvSpPr>
+            <p:cNvPr id="80" name="rc80"/>
+            <p:cNvSpPr/>
+            <p:nvPr/>
+          </p:nvSpPr>
+          <p:spPr>
+            <a:xfrm>
+              <a:off x="5013581" y="5683187"/>
+              <a:ext cx="219455" cy="219455"/>
+            </a:xfrm>
+            <a:prstGeom prst="rect">
+              <a:avLst/>
+            </a:prstGeom>
+            <a:solidFill>
+              <a:srgbClr val="FFFFFF">
+                <a:alpha val="100000"/>
+              </a:srgbClr>
+            </a:solidFill>
+          </p:spPr>
+          <p:txBody>
+            <a:bodyPr/>
+            <a:lstStyle/>
+            <a:p/>
+          </p:txBody>
+        </p:sp>
+        <p:sp>
+          <p:nvSpPr>
+            <p:cNvPr id="81" name="rc81"/>
+            <p:cNvSpPr/>
+            <p:nvPr/>
+          </p:nvSpPr>
+          <p:spPr>
+            <a:xfrm>
+              <a:off x="5022581" y="5692187"/>
+              <a:ext cx="201456" cy="201456"/>
+            </a:xfrm>
+            <a:prstGeom prst="rect">
+              <a:avLst/>
+            </a:prstGeom>
+            <a:solidFill>
+              <a:srgbClr val="FCAE91">
+                <a:alpha val="100000"/>
+              </a:srgbClr>
+            </a:solidFill>
+          </p:spPr>
+          <p:txBody>
+            <a:bodyPr/>
+            <a:lstStyle/>
+            <a:p/>
+          </p:txBody>
+        </p:sp>
+        <p:sp>
+          <p:nvSpPr>
+            <p:cNvPr id="82" name="rc82"/>
+            <p:cNvSpPr/>
+            <p:nvPr/>
+          </p:nvSpPr>
+          <p:spPr>
+            <a:xfrm>
+              <a:off x="5661394" y="5683187"/>
+              <a:ext cx="219455" cy="219455"/>
+            </a:xfrm>
+            <a:prstGeom prst="rect">
+              <a:avLst/>
+            </a:prstGeom>
+            <a:solidFill>
+              <a:srgbClr val="FFFFFF">
+                <a:alpha val="100000"/>
+              </a:srgbClr>
+            </a:solidFill>
+          </p:spPr>
+          <p:txBody>
+            <a:bodyPr/>
+            <a:lstStyle/>
+            <a:p/>
+          </p:txBody>
+        </p:sp>
+        <p:sp>
+          <p:nvSpPr>
+            <p:cNvPr id="83" name="rc83"/>
+            <p:cNvSpPr/>
+            <p:nvPr/>
+          </p:nvSpPr>
+          <p:spPr>
+            <a:xfrm>
+              <a:off x="5670394" y="5692187"/>
+              <a:ext cx="201456" cy="201456"/>
+            </a:xfrm>
+            <a:prstGeom prst="rect">
+              <a:avLst/>
+            </a:prstGeom>
+            <a:solidFill>
+              <a:srgbClr val="FB6A4A">
+                <a:alpha val="100000"/>
+              </a:srgbClr>
+            </a:solidFill>
+          </p:spPr>
+          <p:txBody>
+            <a:bodyPr/>
+            <a:lstStyle/>
+            <a:p/>
+          </p:txBody>
+        </p:sp>
+        <p:sp>
+          <p:nvSpPr>
+            <p:cNvPr id="84" name="rc84"/>
+            <p:cNvSpPr/>
+            <p:nvPr/>
+          </p:nvSpPr>
+          <p:spPr>
+            <a:xfrm>
+              <a:off x="6372758" y="5683187"/>
+              <a:ext cx="219456" cy="219455"/>
+            </a:xfrm>
+            <a:prstGeom prst="rect">
+              <a:avLst/>
+            </a:prstGeom>
+            <a:solidFill>
+              <a:srgbClr val="FFFFFF">
+                <a:alpha val="100000"/>
+              </a:srgbClr>
+            </a:solidFill>
+          </p:spPr>
+          <p:txBody>
+            <a:bodyPr/>
+            <a:lstStyle/>
+            <a:p/>
+          </p:txBody>
+        </p:sp>
+        <p:sp>
+          <p:nvSpPr>
+            <p:cNvPr id="85" name="rc85"/>
+            <p:cNvSpPr/>
+            <p:nvPr/>
+          </p:nvSpPr>
+          <p:spPr>
+            <a:xfrm>
+              <a:off x="6381758" y="5692187"/>
+              <a:ext cx="201456" cy="201456"/>
+            </a:xfrm>
+            <a:prstGeom prst="rect">
+              <a:avLst/>
+            </a:prstGeom>
+            <a:solidFill>
+              <a:srgbClr val="CB181D">
+                <a:alpha val="100000"/>
+              </a:srgbClr>
+            </a:solidFill>
+          </p:spPr>
+          <p:txBody>
+            <a:bodyPr/>
+            <a:lstStyle/>
+            <a:p/>
+          </p:txBody>
+        </p:sp>
+        <p:sp>
+          <p:nvSpPr>
+            <p:cNvPr id="86" name="tx86"/>
+            <p:cNvSpPr/>
+            <p:nvPr/>
+          </p:nvSpPr>
+          <p:spPr>
+            <a:xfrm>
+              <a:off x="4562687" y="5763065"/>
+              <a:ext cx="335280" cy="69850"/>
             </a:xfrm>
             <a:prstGeom prst="rect">
               <a:avLst/>
@@ -5004,28 +6203,28 @@
               <a:r>
                 <a:rPr sz="880">
                   <a:solidFill>
-                    <a:srgbClr val="4D4D4D">
+                    <a:srgbClr val="000000">
                       <a:alpha val="100000"/>
                     </a:srgbClr>
                   </a:solidFill>
                   <a:latin typeface="Arial"/>
                   <a:cs typeface="Arial"/>
                 </a:rPr>
-                <a:t>1500</a:t>
+                <a:t>单一菌株</a:t>
               </a:r>
             </a:p>
           </p:txBody>
         </p:sp>
         <p:sp>
           <p:nvSpPr>
-            <p:cNvPr id="50" name="tx50"/>
-            <p:cNvSpPr/>
-            <p:nvPr/>
-          </p:nvSpPr>
-          <p:spPr>
-            <a:xfrm>
-              <a:off x="8372956" y="5699866"/>
-              <a:ext cx="248622" cy="81691"/>
+            <p:cNvPr id="87" name="tx87"/>
+            <p:cNvSpPr/>
+            <p:nvPr/>
+          </p:nvSpPr>
+          <p:spPr>
+            <a:xfrm>
+              <a:off x="5302626" y="5751223"/>
+              <a:ext cx="245348" cy="81691"/>
             </a:xfrm>
             <a:prstGeom prst="rect">
               <a:avLst/>
@@ -5050,14 +6249,106 @@
               <a:r>
                 <a:rPr sz="880">
                   <a:solidFill>
-                    <a:srgbClr val="4D4D4D">
+                    <a:srgbClr val="000000">
                       <a:alpha val="100000"/>
                     </a:srgbClr>
                   </a:solidFill>
                   <a:latin typeface="Arial"/>
                   <a:cs typeface="Arial"/>
                 </a:rPr>
-                <a:t>2000</a:t>
+                <a:t>2-5个</a:t>
+              </a:r>
+            </a:p>
+          </p:txBody>
+        </p:sp>
+        <p:sp>
+          <p:nvSpPr>
+            <p:cNvPr id="88" name="tx88"/>
+            <p:cNvSpPr/>
+            <p:nvPr/>
+          </p:nvSpPr>
+          <p:spPr>
+            <a:xfrm>
+              <a:off x="5950439" y="5751223"/>
+              <a:ext cx="307503" cy="81691"/>
+            </a:xfrm>
+            <a:prstGeom prst="rect">
+              <a:avLst/>
+            </a:prstGeom>
+            <a:noFill/>
+          </p:spPr>
+          <p:txBody>
+            <a:bodyPr lIns="0" rIns="0" tIns="0" bIns="0" anchorCtr="1" anchor="ctr" wrap="none"/>
+            <a:lstStyle/>
+            <a:p>
+              <a:pPr algn="l" marL="0" marR="0" indent="0">
+                <a:lnSpc>
+                  <a:spcPts val="880"/>
+                </a:lnSpc>
+                <a:spcBef>
+                  <a:spcPts val="0"/>
+                </a:spcBef>
+                <a:spcAft>
+                  <a:spcPts val="0"/>
+                </a:spcAft>
+              </a:pPr>
+              <a:r>
+                <a:rPr sz="880">
+                  <a:solidFill>
+                    <a:srgbClr val="000000">
+                      <a:alpha val="100000"/>
+                    </a:srgbClr>
+                  </a:solidFill>
+                  <a:latin typeface="Arial"/>
+                  <a:cs typeface="Arial"/>
+                </a:rPr>
+                <a:t>6-10个</a:t>
+              </a:r>
+            </a:p>
+          </p:txBody>
+        </p:sp>
+        <p:sp>
+          <p:nvSpPr>
+            <p:cNvPr id="89" name="tx89"/>
+            <p:cNvSpPr/>
+            <p:nvPr/>
+          </p:nvSpPr>
+          <p:spPr>
+            <a:xfrm>
+              <a:off x="6661803" y="5751223"/>
+              <a:ext cx="269468" cy="81691"/>
+            </a:xfrm>
+            <a:prstGeom prst="rect">
+              <a:avLst/>
+            </a:prstGeom>
+            <a:noFill/>
+          </p:spPr>
+          <p:txBody>
+            <a:bodyPr lIns="0" rIns="0" tIns="0" bIns="0" anchorCtr="1" anchor="ctr" wrap="none"/>
+            <a:lstStyle/>
+            <a:p>
+              <a:pPr algn="l" marL="0" marR="0" indent="0">
+                <a:lnSpc>
+                  <a:spcPts val="880"/>
+                </a:lnSpc>
+                <a:spcBef>
+                  <a:spcPts val="0"/>
+                </a:spcBef>
+                <a:spcAft>
+                  <a:spcPts val="0"/>
+                </a:spcAft>
+              </a:pPr>
+              <a:r>
+                <a:rPr sz="880">
+                  <a:solidFill>
+                    <a:srgbClr val="000000">
+                      <a:alpha val="100000"/>
+                    </a:srgbClr>
+                  </a:solidFill>
+                  <a:latin typeface="Arial"/>
+                  <a:cs typeface="Arial"/>
+                </a:rPr>
+                <a:t>≥10个</a:t>
               </a:r>
             </a:p>
           </p:txBody>

--- a/_book/plot/unnamed-chunk-74-1.pptx
+++ b/_book/plot/unnamed-chunk-74-1.pptx
@@ -3192,8 +3192,8 @@
           </p:nvSpPr>
           <p:spPr>
             <a:xfrm>
-              <a:off x="2019661" y="1590617"/>
-              <a:ext cx="6917431" cy="4055309"/>
+              <a:off x="2017917" y="1590617"/>
+              <a:ext cx="6919174" cy="4059006"/>
             </a:xfrm>
             <a:prstGeom prst="rect">
               <a:avLst/>
@@ -3218,15 +3218,15 @@
           </p:nvSpPr>
           <p:spPr>
             <a:xfrm>
-              <a:off x="2974037" y="1590617"/>
-              <a:ext cx="0" cy="4055309"/>
+              <a:off x="2972534" y="1590617"/>
+              <a:ext cx="0" cy="4059006"/>
             </a:xfrm>
             <a:custGeom>
               <a:avLst/>
               <a:pathLst>
-                <a:path w="0" h="4055309">
+                <a:path w="0" h="4059006">
                   <a:moveTo>
-                    <a:pt x="0" y="4055309"/>
+                    <a:pt x="0" y="4059006"/>
                   </a:moveTo>
                   <a:lnTo>
                     <a:pt x="0" y="0"/>
@@ -3261,15 +3261,15 @@
           </p:nvSpPr>
           <p:spPr>
             <a:xfrm>
-              <a:off x="4882788" y="1590617"/>
-              <a:ext cx="0" cy="4055309"/>
+              <a:off x="4881767" y="1590617"/>
+              <a:ext cx="0" cy="4059006"/>
             </a:xfrm>
             <a:custGeom>
               <a:avLst/>
               <a:pathLst>
-                <a:path w="0" h="4055309">
+                <a:path w="0" h="4059006">
                   <a:moveTo>
-                    <a:pt x="0" y="4055309"/>
+                    <a:pt x="0" y="4059006"/>
                   </a:moveTo>
                   <a:lnTo>
                     <a:pt x="0" y="0"/>
@@ -3304,15 +3304,15 @@
           </p:nvSpPr>
           <p:spPr>
             <a:xfrm>
-              <a:off x="6791540" y="1590617"/>
-              <a:ext cx="0" cy="4055309"/>
+              <a:off x="6791000" y="1590617"/>
+              <a:ext cx="0" cy="4059006"/>
             </a:xfrm>
             <a:custGeom>
               <a:avLst/>
               <a:pathLst>
-                <a:path w="0" h="4055309">
+                <a:path w="0" h="4059006">
                   <a:moveTo>
-                    <a:pt x="0" y="4055309"/>
+                    <a:pt x="0" y="4059006"/>
                   </a:moveTo>
                   <a:lnTo>
                     <a:pt x="0" y="0"/>
@@ -3347,15 +3347,15 @@
           </p:nvSpPr>
           <p:spPr>
             <a:xfrm>
-              <a:off x="8700292" y="1590617"/>
-              <a:ext cx="0" cy="4055309"/>
+              <a:off x="8700233" y="1590617"/>
+              <a:ext cx="0" cy="4059006"/>
             </a:xfrm>
             <a:custGeom>
               <a:avLst/>
               <a:pathLst>
-                <a:path w="0" h="4055309">
+                <a:path w="0" h="4059006">
                   <a:moveTo>
-                    <a:pt x="0" y="4055309"/>
+                    <a:pt x="0" y="4059006"/>
                   </a:moveTo>
                   <a:lnTo>
                     <a:pt x="0" y="0"/>
@@ -3390,21 +3390,21 @@
           </p:nvSpPr>
           <p:spPr>
             <a:xfrm>
-              <a:off x="2019661" y="5253477"/>
-              <a:ext cx="6917431" cy="0"/>
+              <a:off x="2017917" y="5256816"/>
+              <a:ext cx="6919174" cy="0"/>
             </a:xfrm>
             <a:custGeom>
               <a:avLst/>
               <a:pathLst>
-                <a:path w="6917431" h="0">
+                <a:path w="6919174" h="0">
                   <a:moveTo>
                     <a:pt x="0" y="0"/>
                   </a:moveTo>
                   <a:lnTo>
-                    <a:pt x="6917431" y="0"/>
-                  </a:lnTo>
-                  <a:lnTo>
-                    <a:pt x="6917431" y="0"/>
+                    <a:pt x="6919174" y="0"/>
+                  </a:lnTo>
+                  <a:lnTo>
+                    <a:pt x="6919174" y="0"/>
                   </a:lnTo>
                 </a:path>
               </a:pathLst>
@@ -3433,21 +3433,21 @@
           </p:nvSpPr>
           <p:spPr>
             <a:xfrm>
-              <a:off x="2019661" y="4599395"/>
-              <a:ext cx="6917431" cy="0"/>
+              <a:off x="2017917" y="4602138"/>
+              <a:ext cx="6919174" cy="0"/>
             </a:xfrm>
             <a:custGeom>
               <a:avLst/>
               <a:pathLst>
-                <a:path w="6917431" h="0">
+                <a:path w="6919174" h="0">
                   <a:moveTo>
                     <a:pt x="0" y="0"/>
                   </a:moveTo>
                   <a:lnTo>
-                    <a:pt x="6917431" y="0"/>
-                  </a:lnTo>
-                  <a:lnTo>
-                    <a:pt x="6917431" y="0"/>
+                    <a:pt x="6919174" y="0"/>
+                  </a:lnTo>
+                  <a:lnTo>
+                    <a:pt x="6919174" y="0"/>
                   </a:lnTo>
                 </a:path>
               </a:pathLst>
@@ -3476,21 +3476,21 @@
           </p:nvSpPr>
           <p:spPr>
             <a:xfrm>
-              <a:off x="2019661" y="3945312"/>
-              <a:ext cx="6917431" cy="0"/>
+              <a:off x="2017917" y="3947459"/>
+              <a:ext cx="6919174" cy="0"/>
             </a:xfrm>
             <a:custGeom>
               <a:avLst/>
               <a:pathLst>
-                <a:path w="6917431" h="0">
+                <a:path w="6919174" h="0">
                   <a:moveTo>
                     <a:pt x="0" y="0"/>
                   </a:moveTo>
                   <a:lnTo>
-                    <a:pt x="6917431" y="0"/>
-                  </a:lnTo>
-                  <a:lnTo>
-                    <a:pt x="6917431" y="0"/>
+                    <a:pt x="6919174" y="0"/>
+                  </a:lnTo>
+                  <a:lnTo>
+                    <a:pt x="6919174" y="0"/>
                   </a:lnTo>
                 </a:path>
               </a:pathLst>
@@ -3519,21 +3519,21 @@
           </p:nvSpPr>
           <p:spPr>
             <a:xfrm>
-              <a:off x="2019661" y="3291230"/>
-              <a:ext cx="6917431" cy="0"/>
+              <a:off x="2017917" y="3292781"/>
+              <a:ext cx="6919174" cy="0"/>
             </a:xfrm>
             <a:custGeom>
               <a:avLst/>
               <a:pathLst>
-                <a:path w="6917431" h="0">
+                <a:path w="6919174" h="0">
                   <a:moveTo>
                     <a:pt x="0" y="0"/>
                   </a:moveTo>
                   <a:lnTo>
-                    <a:pt x="6917431" y="0"/>
-                  </a:lnTo>
-                  <a:lnTo>
-                    <a:pt x="6917431" y="0"/>
+                    <a:pt x="6919174" y="0"/>
+                  </a:lnTo>
+                  <a:lnTo>
+                    <a:pt x="6919174" y="0"/>
                   </a:lnTo>
                 </a:path>
               </a:pathLst>
@@ -3562,21 +3562,21 @@
           </p:nvSpPr>
           <p:spPr>
             <a:xfrm>
-              <a:off x="2019661" y="2637148"/>
-              <a:ext cx="6917431" cy="0"/>
+              <a:off x="2017917" y="2638102"/>
+              <a:ext cx="6919174" cy="0"/>
             </a:xfrm>
             <a:custGeom>
               <a:avLst/>
               <a:pathLst>
-                <a:path w="6917431" h="0">
+                <a:path w="6919174" h="0">
                   <a:moveTo>
                     <a:pt x="0" y="0"/>
                   </a:moveTo>
                   <a:lnTo>
-                    <a:pt x="6917431" y="0"/>
-                  </a:lnTo>
-                  <a:lnTo>
-                    <a:pt x="6917431" y="0"/>
+                    <a:pt x="6919174" y="0"/>
+                  </a:lnTo>
+                  <a:lnTo>
+                    <a:pt x="6919174" y="0"/>
                   </a:lnTo>
                 </a:path>
               </a:pathLst>
@@ -3605,21 +3605,21 @@
           </p:nvSpPr>
           <p:spPr>
             <a:xfrm>
-              <a:off x="2019661" y="1983066"/>
-              <a:ext cx="6917431" cy="0"/>
+              <a:off x="2017917" y="1983424"/>
+              <a:ext cx="6919174" cy="0"/>
             </a:xfrm>
             <a:custGeom>
               <a:avLst/>
               <a:pathLst>
-                <a:path w="6917431" h="0">
+                <a:path w="6919174" h="0">
                   <a:moveTo>
                     <a:pt x="0" y="0"/>
                   </a:moveTo>
                   <a:lnTo>
-                    <a:pt x="6917431" y="0"/>
-                  </a:lnTo>
-                  <a:lnTo>
-                    <a:pt x="6917431" y="0"/>
+                    <a:pt x="6919174" y="0"/>
+                  </a:lnTo>
+                  <a:lnTo>
+                    <a:pt x="6919174" y="0"/>
                   </a:lnTo>
                 </a:path>
               </a:pathLst>
@@ -3648,15 +3648,15 @@
           </p:nvSpPr>
           <p:spPr>
             <a:xfrm>
-              <a:off x="2019661" y="1590617"/>
-              <a:ext cx="0" cy="4055309"/>
+              <a:off x="2017917" y="1590617"/>
+              <a:ext cx="0" cy="4059006"/>
             </a:xfrm>
             <a:custGeom>
               <a:avLst/>
               <a:pathLst>
-                <a:path w="0" h="4055309">
+                <a:path w="0" h="4059006">
                   <a:moveTo>
-                    <a:pt x="0" y="4055309"/>
+                    <a:pt x="0" y="4059006"/>
                   </a:moveTo>
                   <a:lnTo>
                     <a:pt x="0" y="0"/>
@@ -3691,15 +3691,15 @@
           </p:nvSpPr>
           <p:spPr>
             <a:xfrm>
-              <a:off x="3928413" y="1590617"/>
-              <a:ext cx="0" cy="4055309"/>
+              <a:off x="3927150" y="1590617"/>
+              <a:ext cx="0" cy="4059006"/>
             </a:xfrm>
             <a:custGeom>
               <a:avLst/>
               <a:pathLst>
-                <a:path w="0" h="4055309">
+                <a:path w="0" h="4059006">
                   <a:moveTo>
-                    <a:pt x="0" y="4055309"/>
+                    <a:pt x="0" y="4059006"/>
                   </a:moveTo>
                   <a:lnTo>
                     <a:pt x="0" y="0"/>
@@ -3734,15 +3734,15 @@
           </p:nvSpPr>
           <p:spPr>
             <a:xfrm>
-              <a:off x="5837164" y="1590617"/>
-              <a:ext cx="0" cy="4055309"/>
+              <a:off x="5836383" y="1590617"/>
+              <a:ext cx="0" cy="4059006"/>
             </a:xfrm>
             <a:custGeom>
               <a:avLst/>
               <a:pathLst>
-                <a:path w="0" h="4055309">
+                <a:path w="0" h="4059006">
                   <a:moveTo>
-                    <a:pt x="0" y="4055309"/>
+                    <a:pt x="0" y="4059006"/>
                   </a:moveTo>
                   <a:lnTo>
                     <a:pt x="0" y="0"/>
@@ -3777,15 +3777,15 @@
           </p:nvSpPr>
           <p:spPr>
             <a:xfrm>
-              <a:off x="7745916" y="1590617"/>
-              <a:ext cx="0" cy="4055309"/>
+              <a:off x="7745616" y="1590617"/>
+              <a:ext cx="0" cy="4059006"/>
             </a:xfrm>
             <a:custGeom>
               <a:avLst/>
               <a:pathLst>
-                <a:path w="0" h="4055309">
+                <a:path w="0" h="4059006">
                   <a:moveTo>
-                    <a:pt x="0" y="4055309"/>
+                    <a:pt x="0" y="4059006"/>
                   </a:moveTo>
                   <a:lnTo>
                     <a:pt x="0" y="0"/>
@@ -3820,8 +3820,8 @@
           </p:nvSpPr>
           <p:spPr>
             <a:xfrm>
-              <a:off x="2019661" y="1688729"/>
-              <a:ext cx="6781795" cy="588673"/>
+              <a:off x="2017917" y="1688819"/>
+              <a:ext cx="6783504" cy="589210"/>
             </a:xfrm>
             <a:prstGeom prst="rect">
               <a:avLst/>
@@ -3846,8 +3846,8 @@
           </p:nvSpPr>
           <p:spPr>
             <a:xfrm>
-              <a:off x="2019661" y="2342811"/>
-              <a:ext cx="5859868" cy="588673"/>
+              <a:off x="2017917" y="2343497"/>
+              <a:ext cx="5861345" cy="589210"/>
             </a:xfrm>
             <a:prstGeom prst="rect">
               <a:avLst/>
@@ -3872,8 +3872,8 @@
           </p:nvSpPr>
           <p:spPr>
             <a:xfrm>
-              <a:off x="2019661" y="2996893"/>
-              <a:ext cx="4212615" cy="588673"/>
+              <a:off x="2017917" y="2998175"/>
+              <a:ext cx="4213677" cy="589210"/>
             </a:xfrm>
             <a:prstGeom prst="rect">
               <a:avLst/>
@@ -3898,8 +3898,8 @@
           </p:nvSpPr>
           <p:spPr>
             <a:xfrm>
-              <a:off x="2019661" y="3650976"/>
-              <a:ext cx="4004561" cy="588673"/>
+              <a:off x="2017917" y="3652854"/>
+              <a:ext cx="4005570" cy="589210"/>
             </a:xfrm>
             <a:prstGeom prst="rect">
               <a:avLst/>
@@ -3924,8 +3924,8 @@
           </p:nvSpPr>
           <p:spPr>
             <a:xfrm>
-              <a:off x="2019661" y="4305058"/>
-              <a:ext cx="1578537" cy="588673"/>
+              <a:off x="2017917" y="4307532"/>
+              <a:ext cx="1578935" cy="589210"/>
             </a:xfrm>
             <a:prstGeom prst="rect">
               <a:avLst/>
@@ -3950,8 +3950,8 @@
           </p:nvSpPr>
           <p:spPr>
             <a:xfrm>
-              <a:off x="2019661" y="4959140"/>
-              <a:ext cx="120251" cy="588673"/>
+              <a:off x="2017917" y="4962211"/>
+              <a:ext cx="120281" cy="589210"/>
             </a:xfrm>
             <a:prstGeom prst="rect">
               <a:avLst/>
@@ -3976,7 +3976,7 @@
           </p:nvSpPr>
           <p:spPr>
             <a:xfrm>
-              <a:off x="8058804" y="1917361"/>
+              <a:off x="8058728" y="1917719"/>
               <a:ext cx="94430" cy="98242"/>
             </a:xfrm>
             <a:custGeom>
@@ -4355,7 +4355,7 @@
           </p:nvSpPr>
           <p:spPr>
             <a:xfrm>
-              <a:off x="8088870" y="1958013"/>
+              <a:off x="8088793" y="1958371"/>
               <a:ext cx="47427" cy="10162"/>
             </a:xfrm>
             <a:custGeom>
@@ -4398,7 +4398,7 @@
           </p:nvSpPr>
           <p:spPr>
             <a:xfrm>
-              <a:off x="8088870" y="1975798"/>
+              <a:off x="8088793" y="1976156"/>
               <a:ext cx="47427" cy="9739"/>
             </a:xfrm>
             <a:custGeom>
@@ -4441,7 +4441,7 @@
           </p:nvSpPr>
           <p:spPr>
             <a:xfrm>
-              <a:off x="8166362" y="1974952"/>
+              <a:off x="8166286" y="1975309"/>
               <a:ext cx="97395" cy="38111"/>
             </a:xfrm>
             <a:custGeom>
@@ -4496,7 +4496,7 @@
           </p:nvSpPr>
           <p:spPr>
             <a:xfrm>
-              <a:off x="8184994" y="1982574"/>
+              <a:off x="8184918" y="1982932"/>
               <a:ext cx="14820" cy="22443"/>
             </a:xfrm>
             <a:custGeom>
@@ -4539,7 +4539,7 @@
           </p:nvSpPr>
           <p:spPr>
             <a:xfrm>
-              <a:off x="8207861" y="1982574"/>
+              <a:off x="8207785" y="1982932"/>
               <a:ext cx="14397" cy="22443"/>
             </a:xfrm>
             <a:custGeom>
@@ -4582,7 +4582,7 @@
           </p:nvSpPr>
           <p:spPr>
             <a:xfrm>
-              <a:off x="8230304" y="1982574"/>
+              <a:off x="8230228" y="1982932"/>
               <a:ext cx="14820" cy="22443"/>
             </a:xfrm>
             <a:custGeom>
@@ -4625,7 +4625,7 @@
           </p:nvSpPr>
           <p:spPr>
             <a:xfrm>
-              <a:off x="8182030" y="1916514"/>
+              <a:off x="8181954" y="1916872"/>
               <a:ext cx="21172" cy="18632"/>
             </a:xfrm>
             <a:custGeom>
@@ -4722,7 +4722,7 @@
           </p:nvSpPr>
           <p:spPr>
             <a:xfrm>
-              <a:off x="8172291" y="1917361"/>
+              <a:off x="8172214" y="1917719"/>
               <a:ext cx="85961" cy="27948"/>
             </a:xfrm>
             <a:custGeom>
@@ -4831,7 +4831,7 @@
           </p:nvSpPr>
           <p:spPr>
             <a:xfrm>
-              <a:off x="8166362" y="1948697"/>
+              <a:off x="8166286" y="1949055"/>
               <a:ext cx="36417" cy="24137"/>
             </a:xfrm>
             <a:custGeom>
@@ -4928,7 +4928,7 @@
           </p:nvSpPr>
           <p:spPr>
             <a:xfrm>
-              <a:off x="8226493" y="1948697"/>
+              <a:off x="8226417" y="1949055"/>
               <a:ext cx="37264" cy="23713"/>
             </a:xfrm>
             <a:custGeom>
@@ -5025,7 +5025,7 @@
           </p:nvSpPr>
           <p:spPr>
             <a:xfrm>
-              <a:off x="8270321" y="1928054"/>
+              <a:off x="8270245" y="1928411"/>
               <a:ext cx="38269" cy="77386"/>
             </a:xfrm>
             <a:custGeom>
@@ -5068,7 +5068,7 @@
           </p:nvSpPr>
           <p:spPr>
             <a:xfrm>
-              <a:off x="8316054" y="1917361"/>
+              <a:off x="8315978" y="1917719"/>
               <a:ext cx="94430" cy="98242"/>
             </a:xfrm>
             <a:custGeom>
@@ -5447,7 +5447,7 @@
           </p:nvSpPr>
           <p:spPr>
             <a:xfrm>
-              <a:off x="8346120" y="1958013"/>
+              <a:off x="8346044" y="1958371"/>
               <a:ext cx="47427" cy="10162"/>
             </a:xfrm>
             <a:custGeom>
@@ -5490,7 +5490,7 @@
           </p:nvSpPr>
           <p:spPr>
             <a:xfrm>
-              <a:off x="8346120" y="1975798"/>
+              <a:off x="8346044" y="1976156"/>
               <a:ext cx="47427" cy="9739"/>
             </a:xfrm>
             <a:custGeom>
@@ -5533,7 +5533,7 @@
           </p:nvSpPr>
           <p:spPr>
             <a:xfrm>
-              <a:off x="8426153" y="1916938"/>
+              <a:off x="8426077" y="1917296"/>
               <a:ext cx="92313" cy="29641"/>
             </a:xfrm>
             <a:custGeom>
@@ -5654,7 +5654,7 @@
           </p:nvSpPr>
           <p:spPr>
             <a:xfrm>
-              <a:off x="8425730" y="1937687"/>
+              <a:off x="8425654" y="1938045"/>
               <a:ext cx="93584" cy="77492"/>
             </a:xfrm>
             <a:custGeom>
@@ -5793,7 +5793,7 @@
           </p:nvSpPr>
           <p:spPr>
             <a:xfrm>
-              <a:off x="8444785" y="1991043"/>
+              <a:off x="8444709" y="1991401"/>
               <a:ext cx="54625" cy="11856"/>
             </a:xfrm>
             <a:custGeom>
@@ -5836,7 +5836,7 @@
           </p:nvSpPr>
           <p:spPr>
             <a:xfrm>
-              <a:off x="8532864" y="1917785"/>
+              <a:off x="8532788" y="1918143"/>
               <a:ext cx="95701" cy="22019"/>
             </a:xfrm>
             <a:custGeom>
@@ -5927,7 +5927,7 @@
           </p:nvSpPr>
           <p:spPr>
             <a:xfrm>
-              <a:off x="8539216" y="1942769"/>
+              <a:off x="8539140" y="1943127"/>
               <a:ext cx="82997" cy="72411"/>
             </a:xfrm>
             <a:custGeom>
@@ -5982,7 +5982,7 @@
           </p:nvSpPr>
           <p:spPr>
             <a:xfrm>
-              <a:off x="8547685" y="1950391"/>
+              <a:off x="8547609" y="1950749"/>
               <a:ext cx="66059" cy="52932"/>
             </a:xfrm>
             <a:custGeom>
@@ -6025,7 +6025,7 @@
           </p:nvSpPr>
           <p:spPr>
             <a:xfrm>
-              <a:off x="8551920" y="1953779"/>
+              <a:off x="8551844" y="1954136"/>
               <a:ext cx="57166" cy="47003"/>
             </a:xfrm>
             <a:custGeom>
@@ -6194,7 +6194,7 @@
           </p:nvSpPr>
           <p:spPr>
             <a:xfrm>
-              <a:off x="8589184" y="1980880"/>
+              <a:off x="8589108" y="1981238"/>
               <a:ext cx="17785" cy="17361"/>
             </a:xfrm>
             <a:custGeom>
@@ -6291,7 +6291,7 @@
           </p:nvSpPr>
           <p:spPr>
             <a:xfrm>
-              <a:off x="7176470" y="2571867"/>
+              <a:off x="7176162" y="2572821"/>
               <a:ext cx="24983" cy="31335"/>
             </a:xfrm>
             <a:custGeom>
@@ -6388,7 +6388,7 @@
           </p:nvSpPr>
           <p:spPr>
             <a:xfrm>
-              <a:off x="7175623" y="2600239"/>
+              <a:off x="7175315" y="2601193"/>
               <a:ext cx="27101" cy="69023"/>
             </a:xfrm>
             <a:custGeom>
@@ -6524,7 +6524,7 @@
           </p:nvSpPr>
           <p:spPr>
             <a:xfrm>
-              <a:off x="7235331" y="2572290"/>
+              <a:off x="7235022" y="2573245"/>
               <a:ext cx="38958" cy="96548"/>
             </a:xfrm>
             <a:custGeom>
@@ -6822,7 +6822,7 @@
           </p:nvSpPr>
           <p:spPr>
             <a:xfrm>
-              <a:off x="7248881" y="2597698"/>
+              <a:off x="7248573" y="2598652"/>
               <a:ext cx="12280" cy="32182"/>
             </a:xfrm>
             <a:custGeom>
@@ -6943,7 +6943,7 @@
           </p:nvSpPr>
           <p:spPr>
             <a:xfrm>
-              <a:off x="7203148" y="2572290"/>
+              <a:off x="7202839" y="2573245"/>
               <a:ext cx="34300" cy="34723"/>
             </a:xfrm>
             <a:custGeom>
@@ -7010,7 +7010,7 @@
           </p:nvSpPr>
           <p:spPr>
             <a:xfrm>
-              <a:off x="7201031" y="2612519"/>
+              <a:off x="7200722" y="2613473"/>
               <a:ext cx="33453" cy="7622"/>
             </a:xfrm>
             <a:custGeom>
@@ -7053,7 +7053,7 @@
           </p:nvSpPr>
           <p:spPr>
             <a:xfrm>
-              <a:off x="7197643" y="2626069"/>
+              <a:off x="7197335" y="2627024"/>
               <a:ext cx="46156" cy="41498"/>
             </a:xfrm>
             <a:custGeom>
@@ -7204,7 +7204,7 @@
           </p:nvSpPr>
           <p:spPr>
             <a:xfrm>
-              <a:off x="7286146" y="2571867"/>
+              <a:off x="7285837" y="2572821"/>
               <a:ext cx="96124" cy="93584"/>
             </a:xfrm>
             <a:custGeom>
@@ -7400,7 +7400,7 @@
           </p:nvSpPr>
           <p:spPr>
             <a:xfrm>
-              <a:off x="7435626" y="2630728"/>
+              <a:off x="7435317" y="2631682"/>
               <a:ext cx="18208" cy="20325"/>
             </a:xfrm>
             <a:custGeom>
@@ -7497,7 +7497,7 @@
           </p:nvSpPr>
           <p:spPr>
             <a:xfrm>
-              <a:off x="7470349" y="2633692"/>
+              <a:off x="7470041" y="2634646"/>
               <a:ext cx="21172" cy="28795"/>
             </a:xfrm>
             <a:custGeom>
@@ -7594,7 +7594,7 @@
           </p:nvSpPr>
           <p:spPr>
             <a:xfrm>
-              <a:off x="7418264" y="2634115"/>
+              <a:off x="7417956" y="2635069"/>
               <a:ext cx="52932" cy="33029"/>
             </a:xfrm>
             <a:custGeom>
@@ -7910,7 +7910,7 @@
           </p:nvSpPr>
           <p:spPr>
             <a:xfrm>
-              <a:off x="7391586" y="2635386"/>
+              <a:off x="7391278" y="2636340"/>
               <a:ext cx="20749" cy="30065"/>
             </a:xfrm>
             <a:custGeom>
@@ -8007,7 +8007,7 @@
           </p:nvSpPr>
           <p:spPr>
             <a:xfrm>
-              <a:off x="7394974" y="2571867"/>
+              <a:off x="7394666" y="2572821"/>
               <a:ext cx="94430" cy="57590"/>
             </a:xfrm>
             <a:custGeom>
@@ -8248,7 +8248,7 @@
           </p:nvSpPr>
           <p:spPr>
             <a:xfrm>
-              <a:off x="7432238" y="2611672"/>
+              <a:off x="7431930" y="2612626"/>
               <a:ext cx="22019" cy="16514"/>
             </a:xfrm>
             <a:custGeom>
@@ -8345,7 +8345,7 @@
           </p:nvSpPr>
           <p:spPr>
             <a:xfrm>
-              <a:off x="7502956" y="2576102"/>
+              <a:off x="7502647" y="2577056"/>
               <a:ext cx="94854" cy="92737"/>
             </a:xfrm>
             <a:custGeom>
@@ -8424,7 +8424,7 @@
           </p:nvSpPr>
           <p:spPr>
             <a:xfrm>
-              <a:off x="7566051" y="2589229"/>
+              <a:off x="7565742" y="2590183"/>
               <a:ext cx="21172" cy="32606"/>
             </a:xfrm>
             <a:custGeom>
@@ -8521,7 +8521,7 @@
           </p:nvSpPr>
           <p:spPr>
             <a:xfrm>
-              <a:off x="7512272" y="2590499"/>
+              <a:off x="7511963" y="2591453"/>
               <a:ext cx="21596" cy="31335"/>
             </a:xfrm>
             <a:custGeom>
@@ -8618,7 +8618,7 @@
           </p:nvSpPr>
           <p:spPr>
             <a:xfrm>
-              <a:off x="7610090" y="2571867"/>
+              <a:off x="7609782" y="2572821"/>
               <a:ext cx="24983" cy="31335"/>
             </a:xfrm>
             <a:custGeom>
@@ -8715,7 +8715,7 @@
           </p:nvSpPr>
           <p:spPr>
             <a:xfrm>
-              <a:off x="7609243" y="2600239"/>
+              <a:off x="7608935" y="2601193"/>
               <a:ext cx="27101" cy="69023"/>
             </a:xfrm>
             <a:custGeom>
@@ -8851,7 +8851,7 @@
           </p:nvSpPr>
           <p:spPr>
             <a:xfrm>
-              <a:off x="7681231" y="2577795"/>
+              <a:off x="7680922" y="2578749"/>
               <a:ext cx="24560" cy="7622"/>
             </a:xfrm>
             <a:custGeom>
@@ -8894,7 +8894,7 @@
           </p:nvSpPr>
           <p:spPr>
             <a:xfrm>
-              <a:off x="7679114" y="2605320"/>
+              <a:off x="7678805" y="2606274"/>
               <a:ext cx="27948" cy="63518"/>
             </a:xfrm>
             <a:custGeom>
@@ -9099,7 +9099,7 @@
           </p:nvSpPr>
           <p:spPr>
             <a:xfrm>
-              <a:off x="7635498" y="2571867"/>
+              <a:off x="7635189" y="2572821"/>
               <a:ext cx="41498" cy="60554"/>
             </a:xfrm>
             <a:custGeom>
@@ -9283,7 +9283,7 @@
           </p:nvSpPr>
           <p:spPr>
             <a:xfrm>
-              <a:off x="7644814" y="2602779"/>
+              <a:off x="7644505" y="2603733"/>
               <a:ext cx="8045" cy="8045"/>
             </a:xfrm>
             <a:custGeom>
@@ -9326,7 +9326,7 @@
           </p:nvSpPr>
           <p:spPr>
             <a:xfrm>
-              <a:off x="7660482" y="2602779"/>
+              <a:off x="7660173" y="2603733"/>
               <a:ext cx="8892" cy="8045"/>
             </a:xfrm>
             <a:custGeom>
@@ -9369,7 +9369,7 @@
           </p:nvSpPr>
           <p:spPr>
             <a:xfrm>
-              <a:off x="7644814" y="2617177"/>
+              <a:off x="7644505" y="2618131"/>
               <a:ext cx="8045" cy="8045"/>
             </a:xfrm>
             <a:custGeom>
@@ -9412,7 +9412,7 @@
           </p:nvSpPr>
           <p:spPr>
             <a:xfrm>
-              <a:off x="7660482" y="2617177"/>
+              <a:off x="7660173" y="2618131"/>
               <a:ext cx="8892" cy="8045"/>
             </a:xfrm>
             <a:custGeom>
@@ -9455,7 +9455,7 @@
           </p:nvSpPr>
           <p:spPr>
             <a:xfrm>
-              <a:off x="7632533" y="2634115"/>
+              <a:off x="7632225" y="2635069"/>
               <a:ext cx="46580" cy="34723"/>
             </a:xfrm>
             <a:custGeom>
@@ -9696,7 +9696,7 @@
           </p:nvSpPr>
           <p:spPr>
             <a:xfrm>
-              <a:off x="5636352" y="3228490"/>
+              <a:off x="5635628" y="3230040"/>
               <a:ext cx="35146" cy="94854"/>
             </a:xfrm>
             <a:custGeom>
@@ -9958,7 +9958,7 @@
           </p:nvSpPr>
           <p:spPr>
             <a:xfrm>
-              <a:off x="5651173" y="3236112"/>
+              <a:off x="5650449" y="3237663"/>
               <a:ext cx="11856" cy="16938"/>
             </a:xfrm>
             <a:custGeom>
@@ -10001,7 +10001,7 @@
           </p:nvSpPr>
           <p:spPr>
             <a:xfrm>
-              <a:off x="5650750" y="3260249"/>
+              <a:off x="5650026" y="3261800"/>
               <a:ext cx="12280" cy="16938"/>
             </a:xfrm>
             <a:custGeom>
@@ -10074,7 +10074,7 @@
           </p:nvSpPr>
           <p:spPr>
             <a:xfrm>
-              <a:off x="5673616" y="3229337"/>
+              <a:off x="5672892" y="3230887"/>
               <a:ext cx="58860" cy="94007"/>
             </a:xfrm>
             <a:custGeom>
@@ -10501,7 +10501,7 @@
           </p:nvSpPr>
           <p:spPr>
             <a:xfrm>
-              <a:off x="5747298" y="3228490"/>
+              <a:off x="5746574" y="3230040"/>
               <a:ext cx="21172" cy="20325"/>
             </a:xfrm>
             <a:custGeom>
@@ -10598,7 +10598,7 @@
           </p:nvSpPr>
           <p:spPr>
             <a:xfrm>
-              <a:off x="5745604" y="3263637"/>
+              <a:off x="5744880" y="3265187"/>
               <a:ext cx="98242" cy="58860"/>
             </a:xfrm>
             <a:custGeom>
@@ -10809,7 +10809,7 @@
           </p:nvSpPr>
           <p:spPr>
             <a:xfrm>
-              <a:off x="5773976" y="3225949"/>
+              <a:off x="5773252" y="3227500"/>
               <a:ext cx="66906" cy="77916"/>
             </a:xfrm>
             <a:custGeom>
@@ -11008,7 +11008,7 @@
           </p:nvSpPr>
           <p:spPr>
             <a:xfrm>
-              <a:off x="5787950" y="3258979"/>
+              <a:off x="5787226" y="3260529"/>
               <a:ext cx="38958" cy="8045"/>
             </a:xfrm>
             <a:custGeom>
@@ -11051,7 +11051,7 @@
           </p:nvSpPr>
           <p:spPr>
             <a:xfrm>
-              <a:off x="5787950" y="3273800"/>
+              <a:off x="5787226" y="3275350"/>
               <a:ext cx="38958" cy="8045"/>
             </a:xfrm>
             <a:custGeom>
@@ -11094,7 +11094,7 @@
           </p:nvSpPr>
           <p:spPr>
             <a:xfrm>
-              <a:off x="5787950" y="3288621"/>
+              <a:off x="5787226" y="3290171"/>
               <a:ext cx="38958" cy="8045"/>
             </a:xfrm>
             <a:custGeom>
@@ -11137,7 +11137,7 @@
           </p:nvSpPr>
           <p:spPr>
             <a:xfrm>
-              <a:off x="5853162" y="3228490"/>
+              <a:off x="5852438" y="3230040"/>
               <a:ext cx="95277" cy="95277"/>
             </a:xfrm>
             <a:custGeom>
@@ -11276,7 +11276,7 @@
           </p:nvSpPr>
           <p:spPr>
             <a:xfrm>
-              <a:off x="5871794" y="3235689"/>
+              <a:off x="5871070" y="3237239"/>
               <a:ext cx="68176" cy="9739"/>
             </a:xfrm>
             <a:custGeom>
@@ -11319,7 +11319,7 @@
           </p:nvSpPr>
           <p:spPr>
             <a:xfrm>
-              <a:off x="5873488" y="3255591"/>
+              <a:off x="5872764" y="3257142"/>
               <a:ext cx="77492" cy="67753"/>
             </a:xfrm>
             <a:custGeom>
@@ -11626,7 +11626,7 @@
           </p:nvSpPr>
           <p:spPr>
             <a:xfrm>
-              <a:off x="5903130" y="3275917"/>
+              <a:off x="5902406" y="3277467"/>
               <a:ext cx="19479" cy="13974"/>
             </a:xfrm>
             <a:custGeom>
@@ -11672,7 +11672,7 @@
           </p:nvSpPr>
           <p:spPr>
             <a:xfrm>
-              <a:off x="5965802" y="3229760"/>
+              <a:off x="5965078" y="3231311"/>
               <a:ext cx="31759" cy="93584"/>
             </a:xfrm>
             <a:custGeom>
@@ -11970,7 +11970,7 @@
           </p:nvSpPr>
           <p:spPr>
             <a:xfrm>
-              <a:off x="5996714" y="3225102"/>
+              <a:off x="5995990" y="3226653"/>
               <a:ext cx="63942" cy="33029"/>
             </a:xfrm>
             <a:custGeom>
@@ -12157,7 +12157,7 @@
           </p:nvSpPr>
           <p:spPr>
             <a:xfrm>
-              <a:off x="6016193" y="3241194"/>
+              <a:off x="6015469" y="3242744"/>
               <a:ext cx="24137" cy="9739"/>
             </a:xfrm>
             <a:custGeom>
@@ -12254,7 +12254,7 @@
           </p:nvSpPr>
           <p:spPr>
             <a:xfrm>
-              <a:off x="5996290" y="3264484"/>
+              <a:off x="5995567" y="3266034"/>
               <a:ext cx="63942" cy="58860"/>
             </a:xfrm>
             <a:custGeom>
@@ -12333,7 +12333,7 @@
           </p:nvSpPr>
           <p:spPr>
             <a:xfrm>
-              <a:off x="6011535" y="3270836"/>
+              <a:off x="6010811" y="3272386"/>
               <a:ext cx="33453" cy="7622"/>
             </a:xfrm>
             <a:custGeom>
@@ -12376,7 +12376,7 @@
           </p:nvSpPr>
           <p:spPr>
             <a:xfrm>
-              <a:off x="6011535" y="3284386"/>
+              <a:off x="6010811" y="3285937"/>
               <a:ext cx="33453" cy="7622"/>
             </a:xfrm>
             <a:custGeom>
@@ -12419,7 +12419,7 @@
           </p:nvSpPr>
           <p:spPr>
             <a:xfrm>
-              <a:off x="5428298" y="3882572"/>
+              <a:off x="5427522" y="3884719"/>
               <a:ext cx="35146" cy="94854"/>
             </a:xfrm>
             <a:custGeom>
@@ -12681,7 +12681,7 @@
           </p:nvSpPr>
           <p:spPr>
             <a:xfrm>
-              <a:off x="5443119" y="3890194"/>
+              <a:off x="5442343" y="3892341"/>
               <a:ext cx="11856" cy="16938"/>
             </a:xfrm>
             <a:custGeom>
@@ -12724,7 +12724,7 @@
           </p:nvSpPr>
           <p:spPr>
             <a:xfrm>
-              <a:off x="5442696" y="3914331"/>
+              <a:off x="5441919" y="3916478"/>
               <a:ext cx="12280" cy="16938"/>
             </a:xfrm>
             <a:custGeom>
@@ -12797,7 +12797,7 @@
           </p:nvSpPr>
           <p:spPr>
             <a:xfrm>
-              <a:off x="5465562" y="3883419"/>
+              <a:off x="5464786" y="3885566"/>
               <a:ext cx="58860" cy="94007"/>
             </a:xfrm>
             <a:custGeom>
@@ -13224,7 +13224,7 @@
           </p:nvSpPr>
           <p:spPr>
             <a:xfrm>
-              <a:off x="5539244" y="3882572"/>
+              <a:off x="5538468" y="3884719"/>
               <a:ext cx="21172" cy="20325"/>
             </a:xfrm>
             <a:custGeom>
@@ -13321,7 +13321,7 @@
           </p:nvSpPr>
           <p:spPr>
             <a:xfrm>
-              <a:off x="5537550" y="3917719"/>
+              <a:off x="5536774" y="3919866"/>
               <a:ext cx="98242" cy="58860"/>
             </a:xfrm>
             <a:custGeom>
@@ -13347,7 +13347,7 @@
                     <a:pt x="24892" y="42747"/>
                   </a:lnTo>
                   <a:lnTo>
-                    <a:pt x="26101" y="43361"/>
+                    <a:pt x="26101" y="43362"/>
                   </a:lnTo>
                   <a:lnTo>
                     <a:pt x="27365" y="43933"/>
@@ -13532,7 +13532,7 @@
           </p:nvSpPr>
           <p:spPr>
             <a:xfrm>
-              <a:off x="5565922" y="3880031"/>
+              <a:off x="5565145" y="3882178"/>
               <a:ext cx="66906" cy="77916"/>
             </a:xfrm>
             <a:custGeom>
@@ -13731,7 +13731,7 @@
           </p:nvSpPr>
           <p:spPr>
             <a:xfrm>
-              <a:off x="5579896" y="3913061"/>
+              <a:off x="5579119" y="3915208"/>
               <a:ext cx="38958" cy="8045"/>
             </a:xfrm>
             <a:custGeom>
@@ -13774,7 +13774,7 @@
           </p:nvSpPr>
           <p:spPr>
             <a:xfrm>
-              <a:off x="5579896" y="3927882"/>
+              <a:off x="5579119" y="3930029"/>
               <a:ext cx="38958" cy="8045"/>
             </a:xfrm>
             <a:custGeom>
@@ -13817,7 +13817,7 @@
           </p:nvSpPr>
           <p:spPr>
             <a:xfrm>
-              <a:off x="5579896" y="3942703"/>
+              <a:off x="5579119" y="3944850"/>
               <a:ext cx="38958" cy="8045"/>
             </a:xfrm>
             <a:custGeom>
@@ -13860,7 +13860,7 @@
           </p:nvSpPr>
           <p:spPr>
             <a:xfrm>
-              <a:off x="5647225" y="3880031"/>
+              <a:off x="5646449" y="3882178"/>
               <a:ext cx="95701" cy="22019"/>
             </a:xfrm>
             <a:custGeom>
@@ -13951,7 +13951,7 @@
           </p:nvSpPr>
           <p:spPr>
             <a:xfrm>
-              <a:off x="5653577" y="3905015"/>
+              <a:off x="5652801" y="3907162"/>
               <a:ext cx="82997" cy="72411"/>
             </a:xfrm>
             <a:custGeom>
@@ -14006,7 +14006,7 @@
           </p:nvSpPr>
           <p:spPr>
             <a:xfrm>
-              <a:off x="5662046" y="3912637"/>
+              <a:off x="5661270" y="3914784"/>
               <a:ext cx="66059" cy="52932"/>
             </a:xfrm>
             <a:custGeom>
@@ -14049,7 +14049,7 @@
           </p:nvSpPr>
           <p:spPr>
             <a:xfrm>
-              <a:off x="5666281" y="3916025"/>
+              <a:off x="5665505" y="3918172"/>
               <a:ext cx="57166" cy="47003"/>
             </a:xfrm>
             <a:custGeom>
@@ -14218,7 +14218,7 @@
           </p:nvSpPr>
           <p:spPr>
             <a:xfrm>
-              <a:off x="5703545" y="3943126"/>
+              <a:off x="5702769" y="3945273"/>
               <a:ext cx="17785" cy="17361"/>
             </a:xfrm>
             <a:custGeom>
@@ -14315,7 +14315,7 @@
           </p:nvSpPr>
           <p:spPr>
             <a:xfrm>
-              <a:off x="5753090" y="3884266"/>
+              <a:off x="5752313" y="3886413"/>
               <a:ext cx="50391" cy="92313"/>
             </a:xfrm>
             <a:custGeom>
@@ -14541,7 +14541,7 @@
           </p:nvSpPr>
           <p:spPr>
             <a:xfrm>
-              <a:off x="5778074" y="3891888"/>
+              <a:off x="5777297" y="3894035"/>
               <a:ext cx="11856" cy="10586"/>
             </a:xfrm>
             <a:custGeom>
@@ -14611,7 +14611,7 @@
           </p:nvSpPr>
           <p:spPr>
             <a:xfrm>
-              <a:off x="5775956" y="3910097"/>
+              <a:off x="5775180" y="3912243"/>
               <a:ext cx="13974" cy="11009"/>
             </a:xfrm>
             <a:custGeom>
@@ -14681,7 +14681,7 @@
           </p:nvSpPr>
           <p:spPr>
             <a:xfrm>
-              <a:off x="5772569" y="3945667"/>
+              <a:off x="5771792" y="3947814"/>
               <a:ext cx="18208" cy="17361"/>
             </a:xfrm>
             <a:custGeom>
@@ -14724,7 +14724,7 @@
           </p:nvSpPr>
           <p:spPr>
             <a:xfrm>
-              <a:off x="5804751" y="3880031"/>
+              <a:off x="5803975" y="3882178"/>
               <a:ext cx="47003" cy="97395"/>
             </a:xfrm>
             <a:custGeom>
@@ -14893,7 +14893,7 @@
           </p:nvSpPr>
           <p:spPr>
             <a:xfrm>
-              <a:off x="5808986" y="3880455"/>
+              <a:off x="5808210" y="3882601"/>
               <a:ext cx="14397" cy="16514"/>
             </a:xfrm>
             <a:custGeom>
@@ -14990,7 +14990,7 @@
           </p:nvSpPr>
           <p:spPr>
             <a:xfrm>
-              <a:off x="3770242" y="4549877"/>
+              <a:off x="3768938" y="4552620"/>
               <a:ext cx="54625" cy="61401"/>
             </a:xfrm>
             <a:custGeom>
@@ -15399,7 +15399,7 @@
           </p:nvSpPr>
           <p:spPr>
             <a:xfrm>
-              <a:off x="3772783" y="4601115"/>
+              <a:off x="3771479" y="4603858"/>
               <a:ext cx="49121" cy="44886"/>
             </a:xfrm>
             <a:custGeom>
@@ -15853,7 +15853,7 @@
           </p:nvSpPr>
           <p:spPr>
             <a:xfrm>
-              <a:off x="3825291" y="4548606"/>
+              <a:off x="3823988" y="4551349"/>
               <a:ext cx="41922" cy="97818"/>
             </a:xfrm>
             <a:custGeom>
@@ -15932,7 +15932,7 @@
           </p:nvSpPr>
           <p:spPr>
             <a:xfrm>
-              <a:off x="3833337" y="4603656"/>
+              <a:off x="3832033" y="4606399"/>
               <a:ext cx="22019" cy="27101"/>
             </a:xfrm>
             <a:custGeom>
@@ -15975,7 +15975,7 @@
           </p:nvSpPr>
           <p:spPr>
             <a:xfrm>
-              <a:off x="3878647" y="4551570"/>
+              <a:off x="3877343" y="4554313"/>
               <a:ext cx="32182" cy="95277"/>
             </a:xfrm>
             <a:custGeom>
@@ -16237,7 +16237,7 @@
           </p:nvSpPr>
           <p:spPr>
             <a:xfrm>
-              <a:off x="3891774" y="4559193"/>
+              <a:off x="3890470" y="4561936"/>
               <a:ext cx="11433" cy="16514"/>
             </a:xfrm>
             <a:custGeom>
@@ -16280,7 +16280,7 @@
           </p:nvSpPr>
           <p:spPr>
             <a:xfrm>
-              <a:off x="3891774" y="4583753"/>
+              <a:off x="3890470" y="4586496"/>
               <a:ext cx="11433" cy="16514"/>
             </a:xfrm>
             <a:custGeom>
@@ -16323,7 +16323,7 @@
           </p:nvSpPr>
           <p:spPr>
             <a:xfrm>
-              <a:off x="3912100" y="4549030"/>
+              <a:off x="3910796" y="4551773"/>
               <a:ext cx="65212" cy="97395"/>
             </a:xfrm>
             <a:custGeom>
@@ -16621,7 +16621,7 @@
           </p:nvSpPr>
           <p:spPr>
             <a:xfrm>
-              <a:off x="3938354" y="4564698"/>
+              <a:off x="3937051" y="4567441"/>
               <a:ext cx="14820" cy="8045"/>
             </a:xfrm>
             <a:custGeom>
@@ -16664,7 +16664,7 @@
           </p:nvSpPr>
           <p:spPr>
             <a:xfrm>
-              <a:off x="3928615" y="4579942"/>
+              <a:off x="3927311" y="4582685"/>
               <a:ext cx="34300" cy="6775"/>
             </a:xfrm>
             <a:custGeom>
@@ -16707,7 +16707,7 @@
           </p:nvSpPr>
           <p:spPr>
             <a:xfrm>
-              <a:off x="3928615" y="4593069"/>
+              <a:off x="3927311" y="4595812"/>
               <a:ext cx="34300" cy="7198"/>
             </a:xfrm>
             <a:custGeom>
@@ -16750,7 +16750,7 @@
           </p:nvSpPr>
           <p:spPr>
             <a:xfrm>
-              <a:off x="3987475" y="4548606"/>
+              <a:off x="3986172" y="4551349"/>
               <a:ext cx="97818" cy="97818"/>
             </a:xfrm>
             <a:custGeom>
@@ -17282,7 +17282,7 @@
           </p:nvSpPr>
           <p:spPr>
             <a:xfrm>
-              <a:off x="4010342" y="4585447"/>
+              <a:off x="4009038" y="4588190"/>
               <a:ext cx="22866" cy="17785"/>
             </a:xfrm>
             <a:custGeom>
@@ -17352,7 +17352,7 @@
           </p:nvSpPr>
           <p:spPr>
             <a:xfrm>
-              <a:off x="4039561" y="4585447"/>
+              <a:off x="4038257" y="4588190"/>
               <a:ext cx="27101" cy="17785"/>
             </a:xfrm>
             <a:custGeom>
@@ -17422,7 +17422,7 @@
           </p:nvSpPr>
           <p:spPr>
             <a:xfrm>
-              <a:off x="4093763" y="4548183"/>
+              <a:off x="4092459" y="4550926"/>
               <a:ext cx="97818" cy="98665"/>
             </a:xfrm>
             <a:custGeom>
@@ -17660,7 +17660,7 @@
           </p:nvSpPr>
           <p:spPr>
             <a:xfrm>
-              <a:off x="4095457" y="4567238"/>
+              <a:off x="4094153" y="4569981"/>
               <a:ext cx="13974" cy="22019"/>
             </a:xfrm>
             <a:custGeom>
@@ -17757,7 +17757,7 @@
           </p:nvSpPr>
           <p:spPr>
             <a:xfrm>
-              <a:off x="4125522" y="4572320"/>
+              <a:off x="4124219" y="4575063"/>
               <a:ext cx="63942" cy="30065"/>
             </a:xfrm>
             <a:custGeom>
@@ -18022,7 +18022,7 @@
           </p:nvSpPr>
           <p:spPr>
             <a:xfrm>
-              <a:off x="4120864" y="4604503"/>
+              <a:off x="4119561" y="4607246"/>
               <a:ext cx="72411" cy="42345"/>
             </a:xfrm>
             <a:custGeom>
@@ -18311,7 +18311,7 @@
           </p:nvSpPr>
           <p:spPr>
             <a:xfrm>
-              <a:off x="2344138" y="5203112"/>
+              <a:off x="2342467" y="5206451"/>
               <a:ext cx="65212" cy="97395"/>
             </a:xfrm>
             <a:custGeom>
@@ -18564,7 +18564,7 @@
           </p:nvSpPr>
           <p:spPr>
             <a:xfrm>
-              <a:off x="2320425" y="5207346"/>
+              <a:off x="2318753" y="5210686"/>
               <a:ext cx="38958" cy="77916"/>
             </a:xfrm>
             <a:custGeom>
@@ -18670,7 +18670,7 @@
           </p:nvSpPr>
           <p:spPr>
             <a:xfrm>
-              <a:off x="2339480" y="5213275"/>
+              <a:off x="2337809" y="5216614"/>
               <a:ext cx="24983" cy="33876"/>
             </a:xfrm>
             <a:custGeom>
@@ -18767,7 +18767,7 @@
           </p:nvSpPr>
           <p:spPr>
             <a:xfrm>
-              <a:off x="2423325" y="5204806"/>
+              <a:off x="2421654" y="5208145"/>
               <a:ext cx="92313" cy="91043"/>
             </a:xfrm>
             <a:custGeom>
@@ -18834,7 +18834,7 @@
           </p:nvSpPr>
           <p:spPr>
             <a:xfrm>
-              <a:off x="2529612" y="5202688"/>
+              <a:off x="2527941" y="5206028"/>
               <a:ext cx="94430" cy="98242"/>
             </a:xfrm>
             <a:custGeom>
@@ -19213,7 +19213,7 @@
           </p:nvSpPr>
           <p:spPr>
             <a:xfrm>
-              <a:off x="2559678" y="5243340"/>
+              <a:off x="2558007" y="5246680"/>
               <a:ext cx="47427" cy="10162"/>
             </a:xfrm>
             <a:custGeom>
@@ -19256,7 +19256,7 @@
           </p:nvSpPr>
           <p:spPr>
             <a:xfrm>
-              <a:off x="2559678" y="5261125"/>
+              <a:off x="2558007" y="5264465"/>
               <a:ext cx="47427" cy="9739"/>
             </a:xfrm>
             <a:custGeom>
@@ -19299,7 +19299,7 @@
           </p:nvSpPr>
           <p:spPr>
             <a:xfrm>
-              <a:off x="2643522" y="5203535"/>
+              <a:off x="2641851" y="5206875"/>
               <a:ext cx="26254" cy="19902"/>
             </a:xfrm>
             <a:custGeom>
@@ -19396,7 +19396,7 @@
           </p:nvSpPr>
           <p:spPr>
             <a:xfrm>
-              <a:off x="2638441" y="5228943"/>
+              <a:off x="2636770" y="5232282"/>
               <a:ext cx="24983" cy="19055"/>
             </a:xfrm>
             <a:custGeom>
@@ -19493,7 +19493,7 @@
           </p:nvSpPr>
           <p:spPr>
             <a:xfrm>
-              <a:off x="2637171" y="5256467"/>
+              <a:off x="2635499" y="5259807"/>
               <a:ext cx="27524" cy="44039"/>
             </a:xfrm>
             <a:custGeom>
@@ -19590,7 +19590,7 @@
           </p:nvSpPr>
           <p:spPr>
             <a:xfrm>
-              <a:off x="2667659" y="5206500"/>
+              <a:off x="2665988" y="5209839"/>
               <a:ext cx="66059" cy="40228"/>
             </a:xfrm>
             <a:custGeom>
@@ -19855,7 +19855,7 @@
           </p:nvSpPr>
           <p:spPr>
             <a:xfrm>
-              <a:off x="2663001" y="5248845"/>
+              <a:off x="2661330" y="5252185"/>
               <a:ext cx="71987" cy="52085"/>
             </a:xfrm>
             <a:custGeom>
@@ -20081,7 +20081,7 @@
           </p:nvSpPr>
           <p:spPr>
             <a:xfrm>
-              <a:off x="2683327" y="5256467"/>
+              <a:off x="2681656" y="5259807"/>
               <a:ext cx="32182" cy="22019"/>
             </a:xfrm>
             <a:custGeom>
@@ -20175,7 +20175,7 @@
           </p:nvSpPr>
           <p:spPr>
             <a:xfrm>
-              <a:off x="2746422" y="5202688"/>
+              <a:off x="2744751" y="5206028"/>
               <a:ext cx="94430" cy="98242"/>
             </a:xfrm>
             <a:custGeom>
@@ -20554,7 +20554,7 @@
           </p:nvSpPr>
           <p:spPr>
             <a:xfrm>
-              <a:off x="2776488" y="5243340"/>
+              <a:off x="2774817" y="5246680"/>
               <a:ext cx="47427" cy="10162"/>
             </a:xfrm>
             <a:custGeom>
@@ -20597,7 +20597,7 @@
           </p:nvSpPr>
           <p:spPr>
             <a:xfrm>
-              <a:off x="2776488" y="5261125"/>
+              <a:off x="2774817" y="5264465"/>
               <a:ext cx="47427" cy="9739"/>
             </a:xfrm>
             <a:custGeom>
@@ -20640,7 +20640,7 @@
           </p:nvSpPr>
           <p:spPr>
             <a:xfrm>
-              <a:off x="2881929" y="5203959"/>
+              <a:off x="2880257" y="5207298"/>
               <a:ext cx="68600" cy="96548"/>
             </a:xfrm>
             <a:custGeom>
@@ -20857,7 +20857,7 @@
           </p:nvSpPr>
           <p:spPr>
             <a:xfrm>
-              <a:off x="2856945" y="5212428"/>
+              <a:off x="2855274" y="5215767"/>
               <a:ext cx="28795" cy="70717"/>
             </a:xfrm>
             <a:custGeom>
@@ -20912,7 +20912,7 @@
           </p:nvSpPr>
           <p:spPr>
             <a:xfrm>
-              <a:off x="2864990" y="5220474"/>
+              <a:off x="2863319" y="5223813"/>
               <a:ext cx="12280" cy="44039"/>
             </a:xfrm>
             <a:custGeom>
@@ -20955,7 +20955,7 @@
           </p:nvSpPr>
           <p:spPr>
             <a:xfrm>
-              <a:off x="2963656" y="5205653"/>
+              <a:off x="2961985" y="5208992"/>
               <a:ext cx="21172" cy="20325"/>
             </a:xfrm>
             <a:custGeom>
@@ -21052,7 +21052,7 @@
           </p:nvSpPr>
           <p:spPr>
             <a:xfrm>
-              <a:off x="2961962" y="5240800"/>
+              <a:off x="2960291" y="5244139"/>
               <a:ext cx="98242" cy="58860"/>
             </a:xfrm>
             <a:custGeom>
@@ -21263,7 +21263,7 @@
           </p:nvSpPr>
           <p:spPr>
             <a:xfrm>
-              <a:off x="2995415" y="5203535"/>
+              <a:off x="2993744" y="5206875"/>
               <a:ext cx="63095" cy="81727"/>
             </a:xfrm>
             <a:custGeom>
@@ -21510,7 +21510,7 @@
           </p:nvSpPr>
           <p:spPr>
             <a:xfrm>
-              <a:off x="2997532" y="5236565"/>
+              <a:off x="2995861" y="5239904"/>
               <a:ext cx="18632" cy="28371"/>
             </a:xfrm>
             <a:custGeom>
@@ -21607,8 +21607,8 @@
           </p:nvSpPr>
           <p:spPr>
             <a:xfrm>
-              <a:off x="2019661" y="1590617"/>
-              <a:ext cx="6917431" cy="4055309"/>
+              <a:off x="2017917" y="1590617"/>
+              <a:ext cx="6919174" cy="4059006"/>
             </a:xfrm>
             <a:prstGeom prst="rect">
               <a:avLst/>
@@ -21637,7 +21637,7 @@
           </p:nvSpPr>
           <p:spPr>
             <a:xfrm>
-              <a:off x="1926803" y="5213886"/>
+              <a:off x="1925060" y="5217225"/>
               <a:ext cx="54024" cy="79126"/>
             </a:xfrm>
             <a:custGeom>
@@ -22331,7 +22331,7 @@
           </p:nvSpPr>
           <p:spPr>
             <a:xfrm>
-              <a:off x="1942902" y="5253722"/>
+              <a:off x="1941158" y="5257062"/>
               <a:ext cx="22537" cy="27339"/>
             </a:xfrm>
             <a:custGeom>
@@ -22782,7 +22782,7 @@
           </p:nvSpPr>
           <p:spPr>
             <a:xfrm>
-              <a:off x="1926148" y="4560950"/>
+              <a:off x="1924405" y="4563693"/>
               <a:ext cx="55607" cy="77980"/>
             </a:xfrm>
             <a:custGeom>
@@ -23614,7 +23614,7 @@
           </p:nvSpPr>
           <p:spPr>
             <a:xfrm>
-              <a:off x="1924402" y="3906868"/>
+              <a:off x="1922659" y="3909014"/>
               <a:ext cx="59863" cy="76889"/>
             </a:xfrm>
             <a:custGeom>
@@ -23678,7 +23678,7 @@
           </p:nvSpPr>
           <p:spPr>
             <a:xfrm>
-              <a:off x="1936899" y="3920854"/>
+              <a:off x="1935155" y="3923001"/>
               <a:ext cx="22952" cy="35836"/>
             </a:xfrm>
             <a:custGeom>
@@ -23955,7 +23955,7 @@
           </p:nvSpPr>
           <p:spPr>
             <a:xfrm>
-              <a:off x="1925275" y="3251640"/>
+              <a:off x="1923532" y="3253190"/>
               <a:ext cx="55552" cy="79290"/>
             </a:xfrm>
             <a:custGeom>
@@ -24878,7 +24878,7 @@
                     <a:pt x="26919" y="13"/>
                   </a:lnTo>
                   <a:lnTo>
-                    <a:pt x="27939" y="0"/>
+                    <a:pt x="27940" y="0"/>
                   </a:lnTo>
                   <a:lnTo>
                     <a:pt x="29274" y="16"/>
@@ -25264,7 +25264,7 @@
           </p:nvSpPr>
           <p:spPr>
             <a:xfrm>
-              <a:off x="1926585" y="2597557"/>
+              <a:off x="1924841" y="2598512"/>
               <a:ext cx="53806" cy="78035"/>
             </a:xfrm>
             <a:custGeom>
@@ -26030,7 +26030,7 @@
           </p:nvSpPr>
           <p:spPr>
             <a:xfrm>
-              <a:off x="1929750" y="1944621"/>
+              <a:off x="1928007" y="1944979"/>
               <a:ext cx="52005" cy="76889"/>
             </a:xfrm>
             <a:custGeom>
@@ -26094,7 +26094,7 @@
           </p:nvSpPr>
           <p:spPr>
             <a:xfrm>
-              <a:off x="1984866" y="5253477"/>
+              <a:off x="1983123" y="5256816"/>
               <a:ext cx="34794" cy="0"/>
             </a:xfrm>
             <a:custGeom>
@@ -26134,7 +26134,7 @@
           </p:nvSpPr>
           <p:spPr>
             <a:xfrm>
-              <a:off x="1984866" y="4599395"/>
+              <a:off x="1983123" y="4602138"/>
               <a:ext cx="34794" cy="0"/>
             </a:xfrm>
             <a:custGeom>
@@ -26174,7 +26174,7 @@
           </p:nvSpPr>
           <p:spPr>
             <a:xfrm>
-              <a:off x="1984866" y="3945312"/>
+              <a:off x="1983123" y="3947459"/>
               <a:ext cx="34794" cy="0"/>
             </a:xfrm>
             <a:custGeom>
@@ -26214,7 +26214,7 @@
           </p:nvSpPr>
           <p:spPr>
             <a:xfrm>
-              <a:off x="1984866" y="3291230"/>
+              <a:off x="1983123" y="3292781"/>
               <a:ext cx="34794" cy="0"/>
             </a:xfrm>
             <a:custGeom>
@@ -26254,7 +26254,7 @@
           </p:nvSpPr>
           <p:spPr>
             <a:xfrm>
-              <a:off x="1984866" y="2637148"/>
+              <a:off x="1983123" y="2638102"/>
               <a:ext cx="34794" cy="0"/>
             </a:xfrm>
             <a:custGeom>
@@ -26294,7 +26294,7 @@
           </p:nvSpPr>
           <p:spPr>
             <a:xfrm>
-              <a:off x="1984866" y="1983066"/>
+              <a:off x="1983123" y="1983424"/>
               <a:ext cx="34794" cy="0"/>
             </a:xfrm>
             <a:custGeom>
@@ -26334,7 +26334,7 @@
           </p:nvSpPr>
           <p:spPr>
             <a:xfrm>
-              <a:off x="2019661" y="5645926"/>
+              <a:off x="2017917" y="5649623"/>
               <a:ext cx="0" cy="34794"/>
             </a:xfrm>
             <a:custGeom>
@@ -26374,7 +26374,7 @@
           </p:nvSpPr>
           <p:spPr>
             <a:xfrm>
-              <a:off x="3928413" y="5645926"/>
+              <a:off x="3927150" y="5649623"/>
               <a:ext cx="0" cy="34794"/>
             </a:xfrm>
             <a:custGeom>
@@ -26414,7 +26414,7 @@
           </p:nvSpPr>
           <p:spPr>
             <a:xfrm>
-              <a:off x="5837164" y="5645926"/>
+              <a:off x="5836383" y="5649623"/>
               <a:ext cx="0" cy="34794"/>
             </a:xfrm>
             <a:custGeom>
@@ -26454,7 +26454,7 @@
           </p:nvSpPr>
           <p:spPr>
             <a:xfrm>
-              <a:off x="7745916" y="5645926"/>
+              <a:off x="7745616" y="5649623"/>
               <a:ext cx="0" cy="34794"/>
             </a:xfrm>
             <a:custGeom>
@@ -26494,7 +26494,7 @@
           </p:nvSpPr>
           <p:spPr>
             <a:xfrm>
-              <a:off x="1992948" y="5707410"/>
+              <a:off x="1991205" y="5711107"/>
               <a:ext cx="53424" cy="79126"/>
             </a:xfrm>
             <a:custGeom>
@@ -26937,7 +26937,7 @@
                     <a:pt x="48312" y="12306"/>
                   </a:lnTo>
                   <a:lnTo>
-                    <a:pt x="48894" y="13492"/>
+                    <a:pt x="48895" y="13492"/>
                   </a:lnTo>
                   <a:lnTo>
                     <a:pt x="49447" y="14740"/>
@@ -27005,7 +27005,7 @@
           </p:nvSpPr>
           <p:spPr>
             <a:xfrm>
-              <a:off x="2002880" y="5715377"/>
+              <a:off x="2001137" y="5719075"/>
               <a:ext cx="33506" cy="63137"/>
             </a:xfrm>
             <a:custGeom>
@@ -27516,7 +27516,7 @@
           </p:nvSpPr>
           <p:spPr>
             <a:xfrm>
-              <a:off x="3812614" y="5708556"/>
+              <a:off x="3811352" y="5712253"/>
               <a:ext cx="48185" cy="76889"/>
             </a:xfrm>
             <a:custGeom>
@@ -27580,7 +27580,7 @@
           </p:nvSpPr>
           <p:spPr>
             <a:xfrm>
-              <a:off x="3870623" y="5707410"/>
+              <a:off x="3869360" y="5711107"/>
               <a:ext cx="53424" cy="79126"/>
             </a:xfrm>
             <a:custGeom>
@@ -28091,7 +28091,7 @@
           </p:nvSpPr>
           <p:spPr>
             <a:xfrm>
-              <a:off x="3880554" y="5715377"/>
+              <a:off x="3879292" y="5719075"/>
               <a:ext cx="33506" cy="63137"/>
             </a:xfrm>
             <a:custGeom>
@@ -28602,7 +28602,7 @@
           </p:nvSpPr>
           <p:spPr>
             <a:xfrm>
-              <a:off x="3932778" y="5707410"/>
+              <a:off x="3931516" y="5711107"/>
               <a:ext cx="53424" cy="79126"/>
             </a:xfrm>
             <a:custGeom>
@@ -29113,7 +29113,7 @@
           </p:nvSpPr>
           <p:spPr>
             <a:xfrm>
-              <a:off x="3942710" y="5715377"/>
+              <a:off x="3941448" y="5719075"/>
               <a:ext cx="33506" cy="63137"/>
             </a:xfrm>
             <a:custGeom>
@@ -29624,7 +29624,7 @@
           </p:nvSpPr>
           <p:spPr>
             <a:xfrm>
-              <a:off x="3994934" y="5707410"/>
+              <a:off x="3993671" y="5711107"/>
               <a:ext cx="53424" cy="79126"/>
             </a:xfrm>
             <a:custGeom>
@@ -30135,7 +30135,7 @@
           </p:nvSpPr>
           <p:spPr>
             <a:xfrm>
-              <a:off x="4004866" y="5715377"/>
+              <a:off x="4003603" y="5719075"/>
               <a:ext cx="33506" cy="63137"/>
             </a:xfrm>
             <a:custGeom>
@@ -30646,7 +30646,7 @@
           </p:nvSpPr>
           <p:spPr>
             <a:xfrm>
-              <a:off x="5718474" y="5707410"/>
+              <a:off x="5717693" y="5711107"/>
               <a:ext cx="50914" cy="78035"/>
             </a:xfrm>
             <a:custGeom>
@@ -31592,7 +31592,7 @@
           </p:nvSpPr>
           <p:spPr>
             <a:xfrm>
-              <a:off x="5779374" y="5707410"/>
+              <a:off x="5778593" y="5711107"/>
               <a:ext cx="53424" cy="79126"/>
             </a:xfrm>
             <a:custGeom>
@@ -32103,7 +32103,7 @@
           </p:nvSpPr>
           <p:spPr>
             <a:xfrm>
-              <a:off x="5789306" y="5715377"/>
+              <a:off x="5788525" y="5719075"/>
               <a:ext cx="33506" cy="63137"/>
             </a:xfrm>
             <a:custGeom>
@@ -32614,7 +32614,7 @@
           </p:nvSpPr>
           <p:spPr>
             <a:xfrm>
-              <a:off x="5841530" y="5707410"/>
+              <a:off x="5840749" y="5711107"/>
               <a:ext cx="53424" cy="79126"/>
             </a:xfrm>
             <a:custGeom>
@@ -33125,7 +33125,7 @@
           </p:nvSpPr>
           <p:spPr>
             <a:xfrm>
-              <a:off x="5851462" y="5715377"/>
+              <a:off x="5850680" y="5719075"/>
               <a:ext cx="33506" cy="63137"/>
             </a:xfrm>
             <a:custGeom>
@@ -33636,7 +33636,7 @@
           </p:nvSpPr>
           <p:spPr>
             <a:xfrm>
-              <a:off x="5903686" y="5707410"/>
+              <a:off x="5902904" y="5711107"/>
               <a:ext cx="53424" cy="79126"/>
             </a:xfrm>
             <a:custGeom>
@@ -34147,7 +34147,7 @@
           </p:nvSpPr>
           <p:spPr>
             <a:xfrm>
-              <a:off x="5913617" y="5715377"/>
+              <a:off x="5912836" y="5719075"/>
               <a:ext cx="33506" cy="63137"/>
             </a:xfrm>
             <a:custGeom>
@@ -34658,7 +34658,7 @@
           </p:nvSpPr>
           <p:spPr>
             <a:xfrm>
-              <a:off x="7625862" y="5707410"/>
+              <a:off x="7625561" y="5711107"/>
               <a:ext cx="52987" cy="79126"/>
             </a:xfrm>
             <a:custGeom>
@@ -35967,7 +35967,7 @@
           </p:nvSpPr>
           <p:spPr>
             <a:xfrm>
-              <a:off x="7688126" y="5707410"/>
+              <a:off x="7687826" y="5711107"/>
               <a:ext cx="53424" cy="79126"/>
             </a:xfrm>
             <a:custGeom>
@@ -36478,7 +36478,7 @@
           </p:nvSpPr>
           <p:spPr>
             <a:xfrm>
-              <a:off x="7698058" y="5715377"/>
+              <a:off x="7697758" y="5719075"/>
               <a:ext cx="33506" cy="63137"/>
             </a:xfrm>
             <a:custGeom>
@@ -36989,7 +36989,7 @@
           </p:nvSpPr>
           <p:spPr>
             <a:xfrm>
-              <a:off x="7750282" y="5707410"/>
+              <a:off x="7749982" y="5711107"/>
               <a:ext cx="53424" cy="79126"/>
             </a:xfrm>
             <a:custGeom>
@@ -37500,7 +37500,7 @@
           </p:nvSpPr>
           <p:spPr>
             <a:xfrm>
-              <a:off x="7760214" y="5715377"/>
+              <a:off x="7759913" y="5719075"/>
               <a:ext cx="33506" cy="63137"/>
             </a:xfrm>
             <a:custGeom>
@@ -38011,7 +38011,7 @@
           </p:nvSpPr>
           <p:spPr>
             <a:xfrm>
-              <a:off x="7812437" y="5707410"/>
+              <a:off x="7812137" y="5711107"/>
               <a:ext cx="53424" cy="79126"/>
             </a:xfrm>
             <a:custGeom>
@@ -38522,7 +38522,7 @@
           </p:nvSpPr>
           <p:spPr>
             <a:xfrm>
-              <a:off x="7822369" y="5715377"/>
+              <a:off x="7822069" y="5719075"/>
               <a:ext cx="33506" cy="63137"/>
             </a:xfrm>
             <a:custGeom>
